--- a/Intership Presentation/DevOps_sample_draft_290823.pptx
+++ b/Intership Presentation/DevOps_sample_draft_290823.pptx
@@ -7104,7 +7104,7 @@
         </p:spPr>
         <p:txBody>
           <a:bodyPr>
-            <a:normAutofit/>
+            <a:normAutofit lnSpcReduction="10000"/>
           </a:bodyPr>
           <a:lstStyle/>
           <a:p>
@@ -7113,37 +7113,59 @@
             </a:pPr>
             <a:r>
               <a:rPr lang="en-US" sz="1800" dirty="0"/>
-              <a:t>AWS has a vast variety of services we can use for our projects. </a:t>
-            </a:r>
-          </a:p>
-          <a:p>
-            <a:r>
-              <a:rPr lang="en-US" sz="1800" b="1" dirty="0" err="1"/>
-              <a:t>CodeBuild</a:t>
-            </a:r>
+              <a:t>AWS has a vast variety of services we can use for our projects and most of them come with a fixed hourly cost. One that is very interesting is the serverless architecture option that it provides</a:t>
+            </a:r>
+          </a:p>
+          <a:p>
+            <a:pPr marL="0" indent="0">
+              <a:buNone/>
+            </a:pPr>
             <a:r>
               <a:rPr lang="en-US" sz="1800" dirty="0"/>
-              <a:t> ( take the code and run a set of commands to make an executable (.exe, Docker image, …)</a:t>
-            </a:r>
-          </a:p>
-          <a:p>
+              <a:t>A </a:t>
+            </a:r>
             <a:r>
               <a:rPr lang="en-US" sz="1800" b="1" dirty="0"/>
-              <a:t>Elastic Container Registry </a:t>
+              <a:t>Serverless architecture </a:t>
             </a:r>
             <a:r>
               <a:rPr lang="en-US" sz="1800" dirty="0"/>
-              <a:t>(create private or public registries to store Docker Images)</a:t>
-            </a:r>
-          </a:p>
-          <a:p>
+              <a:t>is a way to build and run applications and services without having to manage infrastructure. Your application still runs on servers, but all the server management is done by AWS. </a:t>
+            </a:r>
+          </a:p>
+          <a:p>
+            <a:pPr marL="0" indent="0">
+              <a:buNone/>
+            </a:pPr>
+            <a:r>
+              <a:rPr lang="en-US" sz="1800" b="1" dirty="0"/>
+              <a:t>Example: </a:t>
+            </a:r>
             <a:r>
               <a:rPr lang="en-US" sz="1800" b="1" dirty="0" err="1"/>
               <a:t>Fargate</a:t>
             </a:r>
             <a:r>
               <a:rPr lang="en-US" sz="1800" dirty="0"/>
-              <a:t> (a service to host a docker application on the cloud without needing to manage the servers)</a:t>
+              <a:t> is a service of AWS to host a docker application on the cloud without needing to manage the servers or perform scale-up (or down) procedures. Everything happens automatically by AWS in real time </a:t>
+            </a:r>
+          </a:p>
+          <a:p>
+            <a:pPr marL="0" indent="0">
+              <a:buNone/>
+            </a:pPr>
+            <a:r>
+              <a:rPr lang="en-US" sz="1800" dirty="0"/>
+              <a:t>Cost : 	$0.0445 per vCPU per hour </a:t>
+            </a:r>
+          </a:p>
+          <a:p>
+            <a:pPr marL="0" indent="0">
+              <a:buNone/>
+            </a:pPr>
+            <a:r>
+              <a:rPr lang="en-US" sz="1800" dirty="0"/>
+              <a:t>	$0.0049 per GB per hour </a:t>
             </a:r>
           </a:p>
         </p:txBody>
@@ -7179,10 +7201,10 @@
       </p:sp>
       <p:pic>
         <p:nvPicPr>
-          <p:cNvPr id="5" name="Picture 4">
-            <a:extLst>
-              <a:ext uri="{FF2B5EF4-FFF2-40B4-BE49-F238E27FC236}">
-                <a16:creationId xmlns:a16="http://schemas.microsoft.com/office/drawing/2014/main" id="{EA91F6DF-43A1-4E96-A43F-7382833EF4E0}"/>
+          <p:cNvPr id="7" name="Picture 6">
+            <a:extLst>
+              <a:ext uri="{FF2B5EF4-FFF2-40B4-BE49-F238E27FC236}">
+                <a16:creationId xmlns:a16="http://schemas.microsoft.com/office/drawing/2014/main" id="{33BD8DDC-8FE7-4B0D-9004-54A0DE6C8300}"/>
               </a:ext>
             </a:extLst>
           </p:cNvPr>
@@ -7199,68 +7221,8 @@
         </p:blipFill>
         <p:spPr>
           <a:xfrm>
-            <a:off x="6392673" y="712525"/>
-            <a:ext cx="3219450" cy="1600200"/>
-          </a:xfrm>
-          <a:prstGeom prst="rect">
-            <a:avLst/>
-          </a:prstGeom>
-        </p:spPr>
-      </p:pic>
-      <p:pic>
-        <p:nvPicPr>
-          <p:cNvPr id="6" name="Picture 5">
-            <a:extLst>
-              <a:ext uri="{FF2B5EF4-FFF2-40B4-BE49-F238E27FC236}">
-                <a16:creationId xmlns:a16="http://schemas.microsoft.com/office/drawing/2014/main" id="{F35EDEA9-945B-44D3-82F6-2B3AEAA26ECD}"/>
-              </a:ext>
-            </a:extLst>
-          </p:cNvPr>
-          <p:cNvPicPr>
-            <a:picLocks noChangeAspect="1"/>
-          </p:cNvPicPr>
-          <p:nvPr/>
-        </p:nvPicPr>
-        <p:blipFill>
-          <a:blip r:embed="rId3"/>
-          <a:stretch>
-            <a:fillRect/>
-          </a:stretch>
-        </p:blipFill>
-        <p:spPr>
-          <a:xfrm>
-            <a:off x="9746967" y="1770077"/>
-            <a:ext cx="2231620" cy="2236535"/>
-          </a:xfrm>
-          <a:prstGeom prst="rect">
-            <a:avLst/>
-          </a:prstGeom>
-        </p:spPr>
-      </p:pic>
-      <p:pic>
-        <p:nvPicPr>
-          <p:cNvPr id="7" name="Picture 6">
-            <a:extLst>
-              <a:ext uri="{FF2B5EF4-FFF2-40B4-BE49-F238E27FC236}">
-                <a16:creationId xmlns:a16="http://schemas.microsoft.com/office/drawing/2014/main" id="{33BD8DDC-8FE7-4B0D-9004-54A0DE6C8300}"/>
-              </a:ext>
-            </a:extLst>
-          </p:cNvPr>
-          <p:cNvPicPr>
-            <a:picLocks noChangeAspect="1"/>
-          </p:cNvPicPr>
-          <p:nvPr/>
-        </p:nvPicPr>
-        <p:blipFill>
-          <a:blip r:embed="rId4"/>
-          <a:stretch>
-            <a:fillRect/>
-          </a:stretch>
-        </p:blipFill>
-        <p:spPr>
-          <a:xfrm>
-            <a:off x="7117779" y="3429000"/>
-            <a:ext cx="2103757" cy="2103757"/>
+            <a:off x="7570784" y="1742813"/>
+            <a:ext cx="3553018" cy="3553018"/>
           </a:xfrm>
           <a:prstGeom prst="rect">
             <a:avLst/>
@@ -8600,18 +8562,18 @@
 </file>
 
 <file path=customXml/item1.xml><?xml version="1.0" encoding="utf-8"?>
-<p:properties xmlns:p="http://schemas.microsoft.com/office/2006/metadata/properties" xmlns:xsi="http://www.w3.org/2001/XMLSchema-instance" xmlns:pc="http://schemas.microsoft.com/office/infopath/2007/PartnerControls">
-  <documentManagement/>
-</p:properties>
-</file>
-
-<file path=customXml/item2.xml><?xml version="1.0" encoding="utf-8"?>
 <?mso-contentType ?>
 <FormTemplates xmlns="http://schemas.microsoft.com/sharepoint/v3/contenttype/forms">
   <Display>DocumentLibraryForm</Display>
   <Edit>DocumentLibraryForm</Edit>
   <New>DocumentLibraryForm</New>
 </FormTemplates>
+</file>
+
+<file path=customXml/item2.xml><?xml version="1.0" encoding="utf-8"?>
+<p:properties xmlns:p="http://schemas.microsoft.com/office/2006/metadata/properties" xmlns:xsi="http://www.w3.org/2001/XMLSchema-instance" xmlns:pc="http://schemas.microsoft.com/office/infopath/2007/PartnerControls">
+  <documentManagement/>
+</p:properties>
 </file>
 
 <file path=customXml/item3.xml><?xml version="1.0" encoding="utf-8"?>
@@ -8791,6 +8753,14 @@
 </file>
 
 <file path=customXml/itemProps1.xml><?xml version="1.0" encoding="utf-8"?>
+<ds:datastoreItem xmlns:ds="http://schemas.openxmlformats.org/officeDocument/2006/customXml" ds:itemID="{7478590D-4DD9-42AD-9E43-EDA9C59FC062}">
+  <ds:schemaRefs>
+    <ds:schemaRef ds:uri="http://schemas.microsoft.com/sharepoint/v3/contenttype/forms"/>
+  </ds:schemaRefs>
+</ds:datastoreItem>
+</file>
+
+<file path=customXml/itemProps2.xml><?xml version="1.0" encoding="utf-8"?>
 <ds:datastoreItem xmlns:ds="http://schemas.openxmlformats.org/officeDocument/2006/customXml" ds:itemID="{40ED133B-98D9-4F0B-993C-F58631A2E06F}">
   <ds:schemaRefs>
     <ds:schemaRef ds:uri="http://schemas.openxmlformats.org/package/2006/metadata/core-properties"/>
@@ -8802,14 +8772,6 @@
     <ds:schemaRef ds:uri="http://purl.org/dc/terms/"/>
     <ds:schemaRef ds:uri="http://www.w3.org/XML/1998/namespace"/>
     <ds:schemaRef ds:uri="c9d30933-7514-47b7-bac9-05b9d0d847ea"/>
-  </ds:schemaRefs>
-</ds:datastoreItem>
-</file>
-
-<file path=customXml/itemProps2.xml><?xml version="1.0" encoding="utf-8"?>
-<ds:datastoreItem xmlns:ds="http://schemas.openxmlformats.org/officeDocument/2006/customXml" ds:itemID="{7478590D-4DD9-42AD-9E43-EDA9C59FC062}">
-  <ds:schemaRefs>
-    <ds:schemaRef ds:uri="http://schemas.microsoft.com/sharepoint/v3/contenttype/forms"/>
   </ds:schemaRefs>
 </ds:datastoreItem>
 </file>

--- a/Intership Presentation/DevOps_sample_draft_290823.pptx
+++ b/Intership Presentation/DevOps_sample_draft_290823.pptx
@@ -16,15 +16,15 @@
     <p:sldId id="4831" r:id="rId10"/>
     <p:sldId id="4833" r:id="rId11"/>
     <p:sldId id="4836" r:id="rId12"/>
-    <p:sldId id="4832" r:id="rId13"/>
-    <p:sldId id="4843" r:id="rId14"/>
-    <p:sldId id="4842" r:id="rId15"/>
-    <p:sldId id="4838" r:id="rId16"/>
-    <p:sldId id="4839" r:id="rId17"/>
-    <p:sldId id="4840" r:id="rId18"/>
-    <p:sldId id="4841" r:id="rId19"/>
-    <p:sldId id="4835" r:id="rId20"/>
-    <p:sldId id="4844" r:id="rId21"/>
+    <p:sldId id="4835" r:id="rId13"/>
+    <p:sldId id="4844" r:id="rId14"/>
+    <p:sldId id="4832" r:id="rId15"/>
+    <p:sldId id="4843" r:id="rId16"/>
+    <p:sldId id="4842" r:id="rId17"/>
+    <p:sldId id="4838" r:id="rId18"/>
+    <p:sldId id="4839" r:id="rId19"/>
+    <p:sldId id="4840" r:id="rId20"/>
+    <p:sldId id="4841" r:id="rId21"/>
   </p:sldIdLst>
   <p:sldSz cx="12192000" cy="6858000"/>
   <p:notesSz cx="6858000" cy="9144000"/>
@@ -3151,10 +3151,39 @@
       </p:grpSpPr>
       <p:sp>
         <p:nvSpPr>
+          <p:cNvPr id="2" name="Title 1">
+            <a:extLst>
+              <a:ext uri="{FF2B5EF4-FFF2-40B4-BE49-F238E27FC236}">
+                <a16:creationId xmlns:a16="http://schemas.microsoft.com/office/drawing/2014/main" id="{E0B931EE-D8AC-4938-B37D-9F84F03B577B}"/>
+              </a:ext>
+            </a:extLst>
+          </p:cNvPr>
+          <p:cNvSpPr>
+            <a:spLocks noGrp="1"/>
+          </p:cNvSpPr>
+          <p:nvPr>
+            <p:ph type="title"/>
+          </p:nvPr>
+        </p:nvSpPr>
+        <p:spPr/>
+        <p:txBody>
+          <a:bodyPr/>
+          <a:lstStyle/>
+          <a:p>
+            <a:r>
+              <a:rPr lang="en-US" dirty="0"/>
+              <a:t>Future Goals</a:t>
+            </a:r>
+            <a:endParaRPr lang="el-GR" dirty="0"/>
+          </a:p>
+        </p:txBody>
+      </p:sp>
+      <p:sp>
+        <p:nvSpPr>
           <p:cNvPr id="3" name="Content Placeholder 2">
             <a:extLst>
               <a:ext uri="{FF2B5EF4-FFF2-40B4-BE49-F238E27FC236}">
-                <a16:creationId xmlns:a16="http://schemas.microsoft.com/office/drawing/2014/main" id="{EADC667D-29C6-A74D-AA24-B0F83A4D95F6}"/>
+                <a16:creationId xmlns:a16="http://schemas.microsoft.com/office/drawing/2014/main" id="{542AE9BC-F6B2-45E7-B4FC-5AF7B03881D7}"/>
               </a:ext>
             </a:extLst>
           </p:cNvPr>
@@ -3167,30 +3196,31 @@
         </p:nvSpPr>
         <p:spPr>
           <a:xfrm>
-            <a:off x="563880" y="2599916"/>
-            <a:ext cx="11147475" cy="3126589"/>
-          </a:xfrm>
-        </p:spPr>
-        <p:txBody>
-          <a:bodyPr vert="horz" lIns="91440" tIns="45720" rIns="91440" bIns="45720" rtlCol="0" anchor="t">
-            <a:normAutofit/>
-          </a:bodyPr>
-          <a:lstStyle/>
-          <a:p>
-            <a:pPr marL="457200" lvl="1" indent="0">
-              <a:buNone/>
-            </a:pPr>
-            <a:endParaRPr lang="en-US" sz="1800" dirty="0">
-              <a:cs typeface="Calibri"/>
-            </a:endParaRPr>
-          </a:p>
-          <a:p>
-            <a:pPr marL="0" indent="0">
-              <a:buNone/>
-            </a:pPr>
-            <a:endParaRPr lang="en-GR" sz="2000" dirty="0">
-              <a:cs typeface="Calibri" panose="020F0502020204030204" pitchFamily="34" charset="0"/>
-            </a:endParaRPr>
+            <a:off x="838200" y="1825625"/>
+            <a:ext cx="5738769" cy="4351338"/>
+          </a:xfrm>
+        </p:spPr>
+        <p:txBody>
+          <a:bodyPr/>
+          <a:lstStyle/>
+          <a:p>
+            <a:r>
+              <a:rPr lang="en-US" dirty="0"/>
+              <a:t>Create a Cluster with multiple Nodes (VMS) and deploy application there open to traffic (production environment </a:t>
+            </a:r>
+          </a:p>
+          <a:p>
+            <a:r>
+              <a:rPr lang="en-US" dirty="0"/>
+              <a:t>Improve Kubernetes knowledge and configuration </a:t>
+            </a:r>
+          </a:p>
+          <a:p>
+            <a:r>
+              <a:rPr lang="en-US" dirty="0"/>
+              <a:t>Create a fully automated CI/CD pipeline </a:t>
+            </a:r>
+            <a:endParaRPr lang="el-GR" dirty="0"/>
           </a:p>
         </p:txBody>
       </p:sp>
@@ -3199,7 +3229,7 @@
           <p:cNvPr id="4" name="Footer Placeholder 3">
             <a:extLst>
               <a:ext uri="{FF2B5EF4-FFF2-40B4-BE49-F238E27FC236}">
-                <a16:creationId xmlns:a16="http://schemas.microsoft.com/office/drawing/2014/main" id="{16C1696C-3A61-834A-AD31-4AD407A9AC07}"/>
+                <a16:creationId xmlns:a16="http://schemas.microsoft.com/office/drawing/2014/main" id="{540D65A7-137B-4199-8850-6F53A5AB9444}"/>
               </a:ext>
             </a:extLst>
           </p:cNvPr>
@@ -3216,237 +3246,19 @@
           <a:lstStyle/>
           <a:p>
             <a:r>
-              <a:rPr lang="en-US" sz="1200" dirty="0" err="1">
-                <a:cs typeface="Calibri" panose="020F0502020204030204" pitchFamily="34" charset="0"/>
-              </a:rPr>
-              <a:t>Unisystems</a:t>
-            </a:r>
-            <a:r>
-              <a:rPr lang="en-US" sz="1200" dirty="0">
-                <a:cs typeface="Calibri" panose="020F0502020204030204" pitchFamily="34" charset="0"/>
-              </a:rPr>
-              <a:t> Copyright © 2023</a:t>
-            </a:r>
-          </a:p>
-        </p:txBody>
-      </p:sp>
-      <p:sp>
-        <p:nvSpPr>
-          <p:cNvPr id="5" name="Title 1">
-            <a:extLst>
-              <a:ext uri="{FF2B5EF4-FFF2-40B4-BE49-F238E27FC236}">
-                <a16:creationId xmlns:a16="http://schemas.microsoft.com/office/drawing/2014/main" id="{FCD4E3EF-49C6-5D44-A6C1-C1C36A894D99}"/>
-              </a:ext>
-            </a:extLst>
-          </p:cNvPr>
-          <p:cNvSpPr txBox="1">
-            <a:spLocks/>
-          </p:cNvSpPr>
-          <p:nvPr/>
-        </p:nvSpPr>
-        <p:spPr>
-          <a:xfrm>
-            <a:off x="432500" y="171573"/>
-            <a:ext cx="11278855" cy="1015871"/>
-          </a:xfrm>
-          <a:prstGeom prst="rect">
-            <a:avLst/>
-          </a:prstGeom>
-        </p:spPr>
-        <p:txBody>
-          <a:bodyPr vert="horz" lIns="91440" tIns="45720" rIns="91440" bIns="45720" rtlCol="0" anchor="ctr">
-            <a:normAutofit/>
-          </a:bodyPr>
-          <a:lstStyle>
-            <a:lvl1pPr algn="l" defTabSz="914400" rtl="0" eaLnBrk="1" latinLnBrk="0" hangingPunct="1">
-              <a:lnSpc>
-                <a:spcPct val="90000"/>
-              </a:lnSpc>
-              <a:spcBef>
-                <a:spcPct val="0"/>
-              </a:spcBef>
-              <a:buNone/>
-              <a:defRPr sz="3600" kern="1200">
-                <a:solidFill>
-                  <a:schemeClr val="tx1"/>
-                </a:solidFill>
-                <a:latin typeface="Century Gothic" panose="020B0502020202020204" pitchFamily="34" charset="0"/>
-                <a:ea typeface="+mj-ea"/>
-                <a:cs typeface="+mj-cs"/>
-              </a:defRPr>
-            </a:lvl1pPr>
-          </a:lstStyle>
-          <a:p>
-            <a:pPr fontAlgn="auto">
-              <a:spcAft>
-                <a:spcPts val="0"/>
-              </a:spcAft>
-            </a:pPr>
-            <a:r>
-              <a:rPr lang="en-US" sz="3600" dirty="0">
-                <a:solidFill>
-                  <a:srgbClr val="292929"/>
-                </a:solidFill>
-                <a:effectLst/>
-                <a:ea typeface="Times New Roman" panose="02020603050405020304" pitchFamily="18" charset="0"/>
-              </a:rPr>
-              <a:t>GitHub Sample Case - Member</a:t>
-            </a:r>
-          </a:p>
-        </p:txBody>
-      </p:sp>
-      <p:sp>
-        <p:nvSpPr>
-          <p:cNvPr id="2" name="TextBox 1">
-            <a:extLst>
-              <a:ext uri="{FF2B5EF4-FFF2-40B4-BE49-F238E27FC236}">
-                <a16:creationId xmlns:a16="http://schemas.microsoft.com/office/drawing/2014/main" id="{1C92E664-7CBB-4B70-8F3A-06916777EC3A}"/>
-              </a:ext>
-            </a:extLst>
-          </p:cNvPr>
-          <p:cNvSpPr txBox="1"/>
-          <p:nvPr/>
-        </p:nvSpPr>
-        <p:spPr>
-          <a:xfrm>
-            <a:off x="563880" y="988126"/>
-            <a:ext cx="5806822" cy="3693319"/>
-          </a:xfrm>
-          <a:prstGeom prst="rect">
-            <a:avLst/>
-          </a:prstGeom>
-          <a:noFill/>
-        </p:spPr>
-        <p:txBody>
-          <a:bodyPr wrap="square" rtlCol="0">
-            <a:spAutoFit/>
-          </a:bodyPr>
-          <a:lstStyle/>
-          <a:p>
-            <a:pPr marL="342900" indent="-342900">
-              <a:buAutoNum type="arabicPeriod"/>
-            </a:pPr>
-            <a:r>
-              <a:rPr lang="en-US" dirty="0">
-                <a:latin typeface="Century Gothic" panose="020B0502020202020204" pitchFamily="34" charset="0"/>
-              </a:rPr>
-              <a:t>Create GitHub Account (</a:t>
-            </a:r>
-            <a:r>
-              <a:rPr lang="en-US" dirty="0">
-                <a:latin typeface="Century Gothic" panose="020B0502020202020204" pitchFamily="34" charset="0"/>
-                <a:hlinkClick r:id="rId2"/>
-              </a:rPr>
-              <a:t>here</a:t>
-            </a:r>
-            <a:r>
-              <a:rPr lang="en-US" dirty="0">
-                <a:latin typeface="Century Gothic" panose="020B0502020202020204" pitchFamily="34" charset="0"/>
-              </a:rPr>
-              <a:t>)(option – Free , Pro, Enterprise – Pos , Cons)</a:t>
-            </a:r>
-          </a:p>
-          <a:p>
-            <a:pPr marL="342900" indent="-342900">
-              <a:buAutoNum type="arabicPeriod"/>
-            </a:pPr>
-            <a:r>
-              <a:rPr lang="en-US" dirty="0">
-                <a:latin typeface="Century Gothic" panose="020B0502020202020204" pitchFamily="34" charset="0"/>
-              </a:rPr>
-              <a:t>Join Uni-Systems-SMSA Organization through invite from owner </a:t>
-            </a:r>
-          </a:p>
-          <a:p>
-            <a:pPr marL="342900" indent="-342900">
-              <a:buAutoNum type="arabicPeriod"/>
-            </a:pPr>
-            <a:r>
-              <a:rPr lang="en-US" dirty="0">
-                <a:latin typeface="Century Gothic" panose="020B0502020202020204" pitchFamily="34" charset="0"/>
-              </a:rPr>
-              <a:t>Join the Internship team inside the organization from the invite that was sent </a:t>
-            </a:r>
-          </a:p>
-          <a:p>
-            <a:pPr marL="342900" indent="-342900">
-              <a:buAutoNum type="arabicPeriod"/>
-            </a:pPr>
-            <a:r>
-              <a:rPr lang="en-US" dirty="0">
-                <a:latin typeface="Century Gothic" panose="020B0502020202020204" pitchFamily="34" charset="0"/>
-                <a:hlinkClick r:id="rId3"/>
-              </a:rPr>
-              <a:t>Create a new branch</a:t>
-            </a:r>
-            <a:r>
-              <a:rPr lang="en-US" dirty="0">
-                <a:latin typeface="Century Gothic" panose="020B0502020202020204" pitchFamily="34" charset="0"/>
-              </a:rPr>
-              <a:t> to start working on the project </a:t>
-            </a:r>
-          </a:p>
-          <a:p>
-            <a:pPr marL="342900" indent="-342900">
-              <a:buAutoNum type="arabicPeriod"/>
-            </a:pPr>
-            <a:r>
-              <a:rPr lang="en-US" dirty="0">
-                <a:latin typeface="Century Gothic" panose="020B0502020202020204" pitchFamily="34" charset="0"/>
-              </a:rPr>
-              <a:t>When your task is finished you can </a:t>
-            </a:r>
-            <a:r>
-              <a:rPr lang="en-US" dirty="0">
-                <a:latin typeface="Century Gothic" panose="020B0502020202020204" pitchFamily="34" charset="0"/>
-                <a:hlinkClick r:id="rId4"/>
-              </a:rPr>
-              <a:t>create a pull request</a:t>
-            </a:r>
-            <a:r>
-              <a:rPr lang="en-US" dirty="0">
-                <a:latin typeface="Century Gothic" panose="020B0502020202020204" pitchFamily="34" charset="0"/>
-              </a:rPr>
-              <a:t> so that your work is integrated in the main branch.</a:t>
-            </a:r>
-          </a:p>
-          <a:p>
-            <a:endParaRPr lang="en-US" dirty="0">
-              <a:latin typeface="Century Gothic" panose="020B0502020202020204" pitchFamily="34" charset="0"/>
-            </a:endParaRPr>
-          </a:p>
-          <a:p>
-            <a:r>
-              <a:rPr lang="en-US" dirty="0">
-                <a:latin typeface="Century Gothic" panose="020B0502020202020204" pitchFamily="34" charset="0"/>
-              </a:rPr>
-              <a:t>Details on the steps can be found </a:t>
-            </a:r>
-            <a:r>
-              <a:rPr lang="en-US" dirty="0">
-                <a:latin typeface="Century Gothic" panose="020B0502020202020204" pitchFamily="34" charset="0"/>
-                <a:hlinkClick r:id="rId5"/>
-              </a:rPr>
-              <a:t>here</a:t>
-            </a:r>
-            <a:r>
-              <a:rPr lang="en-US" dirty="0">
-                <a:latin typeface="Century Gothic" panose="020B0502020202020204" pitchFamily="34" charset="0"/>
-              </a:rPr>
-              <a:t>.</a:t>
-            </a:r>
-            <a:endParaRPr lang="el-GR" dirty="0">
-              <a:latin typeface="Century Gothic" panose="020B0502020202020204" pitchFamily="34" charset="0"/>
-            </a:endParaRPr>
+              <a:rPr lang="en-US"/>
+              <a:t>Unisystems Copyright © 2019</a:t>
+            </a:r>
+            <a:endParaRPr lang="en-US" dirty="0"/>
           </a:p>
         </p:txBody>
       </p:sp>
       <p:pic>
         <p:nvPicPr>
-          <p:cNvPr id="8" name="Picture 7">
-            <a:extLst>
-              <a:ext uri="{FF2B5EF4-FFF2-40B4-BE49-F238E27FC236}">
-                <a16:creationId xmlns:a16="http://schemas.microsoft.com/office/drawing/2014/main" id="{129266B3-99F8-4488-BBD8-74D71F7F5F0B}"/>
+          <p:cNvPr id="5" name="Picture 4">
+            <a:extLst>
+              <a:ext uri="{FF2B5EF4-FFF2-40B4-BE49-F238E27FC236}">
+                <a16:creationId xmlns:a16="http://schemas.microsoft.com/office/drawing/2014/main" id="{133F29A7-12CA-4157-AE7C-05D39F3D77F7}"/>
               </a:ext>
             </a:extLst>
           </p:cNvPr>
@@ -3456,15 +3268,15 @@
           <p:nvPr/>
         </p:nvPicPr>
         <p:blipFill>
-          <a:blip r:embed="rId6"/>
+          <a:blip r:embed="rId2"/>
           <a:stretch>
             <a:fillRect/>
           </a:stretch>
         </p:blipFill>
         <p:spPr>
           <a:xfrm>
-            <a:off x="6441858" y="1415397"/>
-            <a:ext cx="5573973" cy="2915592"/>
+            <a:off x="6425966" y="2190604"/>
+            <a:ext cx="5632683" cy="2631885"/>
           </a:xfrm>
           <a:prstGeom prst="rect">
             <a:avLst/>
@@ -3474,7 +3286,7 @@
     </p:spTree>
     <p:extLst>
       <p:ext uri="{BB962C8B-B14F-4D97-AF65-F5344CB8AC3E}">
-        <p14:creationId xmlns:p14="http://schemas.microsoft.com/office/powerpoint/2010/main" val="113698451"/>
+        <p14:creationId xmlns:p14="http://schemas.microsoft.com/office/powerpoint/2010/main" val="3898751378"/>
       </p:ext>
     </p:extLst>
   </p:cSld>
@@ -3503,39 +3315,10 @@
       </p:grpSpPr>
       <p:sp>
         <p:nvSpPr>
-          <p:cNvPr id="2" name="Title 1">
-            <a:extLst>
-              <a:ext uri="{FF2B5EF4-FFF2-40B4-BE49-F238E27FC236}">
-                <a16:creationId xmlns:a16="http://schemas.microsoft.com/office/drawing/2014/main" id="{F7A15A60-FE49-4F11-BBA8-87C50CE1EB26}"/>
-              </a:ext>
-            </a:extLst>
-          </p:cNvPr>
-          <p:cNvSpPr>
-            <a:spLocks noGrp="1"/>
-          </p:cNvSpPr>
-          <p:nvPr>
-            <p:ph type="title"/>
-          </p:nvPr>
-        </p:nvSpPr>
-        <p:spPr/>
-        <p:txBody>
-          <a:bodyPr/>
-          <a:lstStyle/>
-          <a:p>
-            <a:r>
-              <a:rPr lang="en-US" dirty="0"/>
-              <a:t>Task Management – GitHub Issues – GitHub Projects </a:t>
-            </a:r>
-            <a:endParaRPr lang="el-GR" dirty="0"/>
-          </a:p>
-        </p:txBody>
-      </p:sp>
-      <p:sp>
-        <p:nvSpPr>
           <p:cNvPr id="3" name="Content Placeholder 2">
             <a:extLst>
               <a:ext uri="{FF2B5EF4-FFF2-40B4-BE49-F238E27FC236}">
-                <a16:creationId xmlns:a16="http://schemas.microsoft.com/office/drawing/2014/main" id="{B53B0F35-8897-4764-8019-4A2E294498C1}"/>
+                <a16:creationId xmlns:a16="http://schemas.microsoft.com/office/drawing/2014/main" id="{EADC667D-29C6-A74D-AA24-B0F83A4D95F6}"/>
               </a:ext>
             </a:extLst>
           </p:cNvPr>
@@ -3548,106 +3331,355 @@
         </p:nvSpPr>
         <p:spPr>
           <a:xfrm>
-            <a:off x="838200" y="1690688"/>
-            <a:ext cx="4950204" cy="4351338"/>
-          </a:xfrm>
-        </p:spPr>
-        <p:txBody>
-          <a:bodyPr>
-            <a:normAutofit fontScale="92500"/>
+            <a:off x="563880" y="2599916"/>
+            <a:ext cx="11147475" cy="3126589"/>
+          </a:xfrm>
+        </p:spPr>
+        <p:txBody>
+          <a:bodyPr vert="horz" lIns="91440" tIns="45720" rIns="91440" bIns="45720" rtlCol="0" anchor="t">
+            <a:normAutofit/>
           </a:bodyPr>
           <a:lstStyle/>
+          <a:p>
+            <a:pPr marL="457200" lvl="1" indent="0">
+              <a:buNone/>
+            </a:pPr>
+            <a:endParaRPr lang="en-US" sz="1800" dirty="0">
+              <a:cs typeface="Calibri"/>
+            </a:endParaRPr>
+          </a:p>
           <a:p>
             <a:pPr marL="0" indent="0">
               <a:buNone/>
             </a:pPr>
-            <a:r>
-              <a:rPr lang="en-US" dirty="0"/>
-              <a:t>GitHub offers a task management tool called </a:t>
-            </a:r>
+            <a:endParaRPr lang="en-GR" sz="2000" dirty="0">
+              <a:cs typeface="Calibri" panose="020F0502020204030204" pitchFamily="34" charset="0"/>
+            </a:endParaRPr>
+          </a:p>
+        </p:txBody>
+      </p:sp>
+      <p:sp>
+        <p:nvSpPr>
+          <p:cNvPr id="4" name="Footer Placeholder 3">
+            <a:extLst>
+              <a:ext uri="{FF2B5EF4-FFF2-40B4-BE49-F238E27FC236}">
+                <a16:creationId xmlns:a16="http://schemas.microsoft.com/office/drawing/2014/main" id="{16C1696C-3A61-834A-AD31-4AD407A9AC07}"/>
+              </a:ext>
+            </a:extLst>
+          </p:cNvPr>
+          <p:cNvSpPr>
+            <a:spLocks noGrp="1"/>
+          </p:cNvSpPr>
+          <p:nvPr>
+            <p:ph type="ftr" sz="quarter" idx="11"/>
+          </p:nvPr>
+        </p:nvSpPr>
+        <p:spPr/>
+        <p:txBody>
+          <a:bodyPr/>
+          <a:lstStyle/>
+          <a:p>
+            <a:r>
+              <a:rPr lang="en-US" sz="1200" dirty="0" err="1">
+                <a:cs typeface="Calibri" panose="020F0502020204030204" pitchFamily="34" charset="0"/>
+              </a:rPr>
+              <a:t>Unisystems</a:t>
+            </a:r>
+            <a:r>
+              <a:rPr lang="en-US" sz="1200" dirty="0">
+                <a:cs typeface="Calibri" panose="020F0502020204030204" pitchFamily="34" charset="0"/>
+              </a:rPr>
+              <a:t> Copyright © 2023</a:t>
+            </a:r>
+          </a:p>
+        </p:txBody>
+      </p:sp>
+      <p:sp>
+        <p:nvSpPr>
+          <p:cNvPr id="5" name="Title 1">
+            <a:extLst>
+              <a:ext uri="{FF2B5EF4-FFF2-40B4-BE49-F238E27FC236}">
+                <a16:creationId xmlns:a16="http://schemas.microsoft.com/office/drawing/2014/main" id="{FCD4E3EF-49C6-5D44-A6C1-C1C36A894D99}"/>
+              </a:ext>
+            </a:extLst>
+          </p:cNvPr>
+          <p:cNvSpPr txBox="1">
+            <a:spLocks/>
+          </p:cNvSpPr>
+          <p:nvPr/>
+        </p:nvSpPr>
+        <p:spPr>
+          <a:xfrm>
+            <a:off x="432500" y="171573"/>
+            <a:ext cx="11278855" cy="1015871"/>
+          </a:xfrm>
+          <a:prstGeom prst="rect">
+            <a:avLst/>
+          </a:prstGeom>
+        </p:spPr>
+        <p:txBody>
+          <a:bodyPr vert="horz" lIns="91440" tIns="45720" rIns="91440" bIns="45720" rtlCol="0" anchor="ctr">
+            <a:normAutofit/>
+          </a:bodyPr>
+          <a:lstStyle>
+            <a:lvl1pPr algn="l" defTabSz="914400" rtl="0" eaLnBrk="1" latinLnBrk="0" hangingPunct="1">
+              <a:lnSpc>
+                <a:spcPct val="90000"/>
+              </a:lnSpc>
+              <a:spcBef>
+                <a:spcPct val="0"/>
+              </a:spcBef>
+              <a:buNone/>
+              <a:defRPr sz="3600" kern="1200">
+                <a:solidFill>
+                  <a:schemeClr val="tx1"/>
+                </a:solidFill>
+                <a:latin typeface="Century Gothic" panose="020B0502020202020204" pitchFamily="34" charset="0"/>
+                <a:ea typeface="+mj-ea"/>
+                <a:cs typeface="+mj-cs"/>
+              </a:defRPr>
+            </a:lvl1pPr>
+          </a:lstStyle>
+          <a:p>
+            <a:pPr fontAlgn="auto">
+              <a:spcAft>
+                <a:spcPts val="0"/>
+              </a:spcAft>
+            </a:pPr>
+            <a:r>
+              <a:rPr lang="en-US" sz="3600" dirty="0">
+                <a:solidFill>
+                  <a:srgbClr val="292929"/>
+                </a:solidFill>
+                <a:effectLst/>
+                <a:ea typeface="Times New Roman" panose="02020603050405020304" pitchFamily="18" charset="0"/>
+              </a:rPr>
+              <a:t>GitHub Sample Case - Admin</a:t>
+            </a:r>
+          </a:p>
+        </p:txBody>
+      </p:sp>
+      <p:sp>
+        <p:nvSpPr>
+          <p:cNvPr id="2" name="TextBox 1">
+            <a:extLst>
+              <a:ext uri="{FF2B5EF4-FFF2-40B4-BE49-F238E27FC236}">
+                <a16:creationId xmlns:a16="http://schemas.microsoft.com/office/drawing/2014/main" id="{1C92E664-7CBB-4B70-8F3A-06916777EC3A}"/>
+              </a:ext>
+            </a:extLst>
+          </p:cNvPr>
+          <p:cNvSpPr txBox="1"/>
+          <p:nvPr/>
+        </p:nvSpPr>
+        <p:spPr>
+          <a:xfrm>
+            <a:off x="563880" y="988126"/>
+            <a:ext cx="5806822" cy="5078313"/>
+          </a:xfrm>
+          <a:prstGeom prst="rect">
+            <a:avLst/>
+          </a:prstGeom>
+          <a:noFill/>
+        </p:spPr>
+        <p:txBody>
+          <a:bodyPr wrap="square" rtlCol="0">
+            <a:spAutoFit/>
+          </a:bodyPr>
+          <a:lstStyle/>
+          <a:p>
+            <a:pPr marL="342900" indent="-342900">
+              <a:buAutoNum type="arabicPeriod"/>
+            </a:pPr>
             <a:r>
               <a:rPr lang="en-US" dirty="0">
+                <a:latin typeface="Century Gothic" panose="020B0502020202020204" pitchFamily="34" charset="0"/>
+              </a:rPr>
+              <a:t>Create GitHub Account (</a:t>
+            </a:r>
+            <a:r>
+              <a:rPr lang="en-US" dirty="0">
+                <a:latin typeface="Century Gothic" panose="020B0502020202020204" pitchFamily="34" charset="0"/>
                 <a:hlinkClick r:id="rId2"/>
               </a:rPr>
-              <a:t>GitHub Project</a:t>
-            </a:r>
-            <a:r>
-              <a:rPr lang="en-US" dirty="0"/>
-              <a:t> which has an integration with </a:t>
+              <a:t>here</a:t>
+            </a:r>
+            <a:r>
+              <a:rPr lang="en-US" dirty="0">
+                <a:latin typeface="Century Gothic" panose="020B0502020202020204" pitchFamily="34" charset="0"/>
+              </a:rPr>
+              <a:t>)(Pro Vs Enterprise (limitation of Pro)</a:t>
+            </a:r>
+          </a:p>
+          <a:p>
+            <a:pPr marL="342900" indent="-342900">
+              <a:buAutoNum type="arabicPeriod"/>
+            </a:pPr>
+            <a:r>
+              <a:rPr lang="en-US" dirty="0">
+                <a:latin typeface="Century Gothic" panose="020B0502020202020204" pitchFamily="34" charset="0"/>
+              </a:rPr>
+              <a:t>Create organization Uni-Systems-SMSA Organization (one time) </a:t>
+            </a:r>
+          </a:p>
+          <a:p>
+            <a:pPr marL="342900" indent="-342900">
+              <a:buAutoNum type="arabicPeriod"/>
+            </a:pPr>
+            <a:r>
+              <a:rPr lang="en-US" dirty="0">
+                <a:latin typeface="Century Gothic" panose="020B0502020202020204" pitchFamily="34" charset="0"/>
+              </a:rPr>
+              <a:t>Create team (</a:t>
             </a:r>
             <a:r>
               <a:rPr lang="en-US" dirty="0">
                 <a:hlinkClick r:id="rId3"/>
               </a:rPr>
-              <a:t>GitHub Issues </a:t>
-            </a:r>
-            <a:endParaRPr lang="en-US" dirty="0"/>
-          </a:p>
-          <a:p>
+              <a:t>Teams · Uni-Systems-SMSA</a:t>
+            </a:r>
             <a:r>
               <a:rPr lang="en-US" dirty="0"/>
-              <a:t>Issues can be created from </a:t>
-            </a:r>
+              <a:t>)</a:t>
+            </a:r>
+            <a:endParaRPr lang="en-US" dirty="0">
+              <a:latin typeface="Century Gothic" panose="020B0502020202020204" pitchFamily="34" charset="0"/>
+            </a:endParaRPr>
+          </a:p>
+          <a:p>
+            <a:pPr marL="342900" indent="-342900">
+              <a:buAutoNum type="arabicPeriod"/>
+            </a:pPr>
             <a:r>
               <a:rPr lang="en-US" dirty="0">
-                <a:hlinkClick r:id="rId3"/>
+                <a:latin typeface="Century Gothic" panose="020B0502020202020204" pitchFamily="34" charset="0"/>
+              </a:rPr>
+              <a:t>Invite members </a:t>
+            </a:r>
+            <a:r>
+              <a:rPr lang="en-US" dirty="0" err="1">
+                <a:hlinkClick r:id="rId4"/>
+              </a:rPr>
+              <a:t>Intership</a:t>
+            </a:r>
+            <a:r>
+              <a:rPr lang="en-US" dirty="0">
+                <a:hlinkClick r:id="rId4"/>
+              </a:rPr>
+              <a:t> · Uni-Systems-SMSA Team</a:t>
+            </a:r>
+            <a:r>
+              <a:rPr lang="en-US" dirty="0"/>
+              <a:t> (Add a member)</a:t>
+            </a:r>
+            <a:endParaRPr lang="en-US" dirty="0">
+              <a:latin typeface="Century Gothic" panose="020B0502020202020204" pitchFamily="34" charset="0"/>
+            </a:endParaRPr>
+          </a:p>
+          <a:p>
+            <a:pPr marL="342900" indent="-342900">
+              <a:buAutoNum type="arabicPeriod"/>
+            </a:pPr>
+            <a:r>
+              <a:rPr lang="en-US" dirty="0">
+                <a:latin typeface="Century Gothic" panose="020B0502020202020204" pitchFamily="34" charset="0"/>
+              </a:rPr>
+              <a:t>Create a GitHub repository and assign a team to have write permissions </a:t>
+            </a:r>
+            <a:r>
+              <a:rPr lang="en-US" dirty="0">
+                <a:hlinkClick r:id="rId5"/>
+              </a:rPr>
+              <a:t>Uni-Systems-SMSA</a:t>
+            </a:r>
+            <a:r>
+              <a:rPr lang="en-US" dirty="0"/>
+              <a:t> (New repository)</a:t>
+            </a:r>
+          </a:p>
+          <a:p>
+            <a:pPr marL="342900" indent="-342900">
+              <a:buAutoNum type="arabicPeriod"/>
+            </a:pPr>
+            <a:r>
+              <a:rPr lang="en-US" dirty="0">
+                <a:latin typeface="Century Gothic" panose="020B0502020202020204" pitchFamily="34" charset="0"/>
+              </a:rPr>
+              <a:t>Add Team (Internship) or single member (</a:t>
+            </a:r>
+            <a:r>
+              <a:rPr lang="en-US" dirty="0">
+                <a:hlinkClick r:id="rId6"/>
+              </a:rPr>
+              <a:t>Manage access</a:t>
+            </a:r>
+            <a:r>
+              <a:rPr lang="en-US" dirty="0"/>
+              <a:t>) and </a:t>
+            </a:r>
+            <a:r>
+              <a:rPr lang="en-US" dirty="0">
+                <a:latin typeface="Century Gothic" panose="020B0502020202020204" pitchFamily="34" charset="0"/>
+              </a:rPr>
+              <a:t>Define roles/permission on the repository (project approach)</a:t>
+            </a:r>
+          </a:p>
+          <a:p>
+            <a:pPr marL="342900" indent="-342900">
+              <a:buAutoNum type="arabicPeriod"/>
+            </a:pPr>
+            <a:r>
+              <a:rPr lang="en-US" dirty="0">
+                <a:latin typeface="Century Gothic" panose="020B0502020202020204" pitchFamily="34" charset="0"/>
+              </a:rPr>
+              <a:t>Define development branches (front-end &amp; back-end) </a:t>
+            </a:r>
+          </a:p>
+          <a:p>
+            <a:pPr marL="342900" indent="-342900">
+              <a:buAutoNum type="arabicPeriod"/>
+            </a:pPr>
+            <a:r>
+              <a:rPr lang="en-US" dirty="0">
+                <a:latin typeface="Century Gothic" panose="020B0502020202020204" pitchFamily="34" charset="0"/>
+              </a:rPr>
+              <a:t>Define Branch protection rules (image) </a:t>
+            </a:r>
+          </a:p>
+          <a:p>
+            <a:pPr marL="342900" indent="-342900">
+              <a:buAutoNum type="arabicPeriod"/>
+            </a:pPr>
+            <a:r>
+              <a:rPr lang="en-US" dirty="0">
+                <a:latin typeface="Century Gothic" panose="020B0502020202020204" pitchFamily="34" charset="0"/>
+              </a:rPr>
+              <a:t>Create GitHub actions to automate build and test steps of the pipeline (examples </a:t>
+            </a:r>
+            <a:r>
+              <a:rPr lang="en-US" dirty="0">
+                <a:latin typeface="Century Gothic" panose="020B0502020202020204" pitchFamily="34" charset="0"/>
+                <a:hlinkClick r:id="rId7"/>
               </a:rPr>
               <a:t>here</a:t>
             </a:r>
             <a:r>
-              <a:rPr lang="en-US" dirty="0"/>
-              <a:t> and can be assigned to one or more persons</a:t>
-            </a:r>
-          </a:p>
-          <a:p>
-            <a:r>
-              <a:rPr lang="en-US" dirty="0"/>
-              <a:t>Projects provide a very useful and easy to use interface to organize issues and tasks</a:t>
-            </a:r>
-          </a:p>
-          <a:p>
-            <a:pPr marL="0" indent="0">
-              <a:buNone/>
-            </a:pPr>
-            <a:endParaRPr lang="el-GR" dirty="0"/>
-          </a:p>
-        </p:txBody>
-      </p:sp>
-      <p:sp>
-        <p:nvSpPr>
-          <p:cNvPr id="4" name="Footer Placeholder 3">
-            <a:extLst>
-              <a:ext uri="{FF2B5EF4-FFF2-40B4-BE49-F238E27FC236}">
-                <a16:creationId xmlns:a16="http://schemas.microsoft.com/office/drawing/2014/main" id="{FF482BF0-8935-4FBD-8F3E-450E53333C24}"/>
-              </a:ext>
-            </a:extLst>
-          </p:cNvPr>
-          <p:cNvSpPr>
-            <a:spLocks noGrp="1"/>
-          </p:cNvSpPr>
-          <p:nvPr>
-            <p:ph type="ftr" sz="quarter" idx="11"/>
-          </p:nvPr>
-        </p:nvSpPr>
-        <p:spPr/>
-        <p:txBody>
-          <a:bodyPr/>
-          <a:lstStyle/>
-          <a:p>
-            <a:r>
-              <a:rPr lang="en-US"/>
-              <a:t>Unisystems Copyright © 2019</a:t>
-            </a:r>
-            <a:endParaRPr lang="en-US" dirty="0"/>
+              <a:rPr lang="en-US" dirty="0">
+                <a:latin typeface="Century Gothic" panose="020B0502020202020204" pitchFamily="34" charset="0"/>
+              </a:rPr>
+              <a:t>)</a:t>
+            </a:r>
+            <a:endParaRPr lang="el-GR" dirty="0">
+              <a:latin typeface="Century Gothic" panose="020B0502020202020204" pitchFamily="34" charset="0"/>
+            </a:endParaRPr>
           </a:p>
         </p:txBody>
       </p:sp>
       <p:pic>
         <p:nvPicPr>
-          <p:cNvPr id="6" name="Picture 5">
-            <a:extLst>
-              <a:ext uri="{FF2B5EF4-FFF2-40B4-BE49-F238E27FC236}">
-                <a16:creationId xmlns:a16="http://schemas.microsoft.com/office/drawing/2014/main" id="{94A9152D-8549-4C89-B691-B1373EF16B40}"/>
+          <p:cNvPr id="8" name="Picture 7">
+            <a:extLst>
+              <a:ext uri="{FF2B5EF4-FFF2-40B4-BE49-F238E27FC236}">
+                <a16:creationId xmlns:a16="http://schemas.microsoft.com/office/drawing/2014/main" id="{129266B3-99F8-4488-BBD8-74D71F7F5F0B}"/>
               </a:ext>
             </a:extLst>
           </p:cNvPr>
@@ -3657,45 +3689,15 @@
           <p:nvPr/>
         </p:nvPicPr>
         <p:blipFill>
-          <a:blip r:embed="rId4"/>
+          <a:blip r:embed="rId8"/>
           <a:stretch>
             <a:fillRect/>
           </a:stretch>
         </p:blipFill>
         <p:spPr>
           <a:xfrm>
-            <a:off x="6697909" y="4060905"/>
-            <a:ext cx="4655891" cy="2055893"/>
-          </a:xfrm>
-          <a:prstGeom prst="rect">
-            <a:avLst/>
-          </a:prstGeom>
-        </p:spPr>
-      </p:pic>
-      <p:pic>
-        <p:nvPicPr>
-          <p:cNvPr id="8" name="Picture 7">
-            <a:extLst>
-              <a:ext uri="{FF2B5EF4-FFF2-40B4-BE49-F238E27FC236}">
-                <a16:creationId xmlns:a16="http://schemas.microsoft.com/office/drawing/2014/main" id="{42EEDF4C-1374-4A2F-BEA1-520CDD8BC811}"/>
-              </a:ext>
-            </a:extLst>
-          </p:cNvPr>
-          <p:cNvPicPr>
-            <a:picLocks noChangeAspect="1"/>
-          </p:cNvPicPr>
-          <p:nvPr/>
-        </p:nvPicPr>
-        <p:blipFill>
-          <a:blip r:embed="rId5"/>
-          <a:stretch>
-            <a:fillRect/>
-          </a:stretch>
-        </p:blipFill>
-        <p:spPr>
-          <a:xfrm>
-            <a:off x="5654179" y="1211977"/>
-            <a:ext cx="3240947" cy="2774156"/>
+            <a:off x="6441858" y="1415397"/>
+            <a:ext cx="5573973" cy="2915592"/>
           </a:xfrm>
           <a:prstGeom prst="rect">
             <a:avLst/>
@@ -3705,7 +3707,7 @@
     </p:spTree>
     <p:extLst>
       <p:ext uri="{BB962C8B-B14F-4D97-AF65-F5344CB8AC3E}">
-        <p14:creationId xmlns:p14="http://schemas.microsoft.com/office/powerpoint/2010/main" val="3491287803"/>
+        <p14:creationId xmlns:p14="http://schemas.microsoft.com/office/powerpoint/2010/main" val="1664919358"/>
       </p:ext>
     </p:extLst>
   </p:cSld>
@@ -3734,39 +3736,10 @@
       </p:grpSpPr>
       <p:sp>
         <p:nvSpPr>
-          <p:cNvPr id="2" name="Title 1">
-            <a:extLst>
-              <a:ext uri="{FF2B5EF4-FFF2-40B4-BE49-F238E27FC236}">
-                <a16:creationId xmlns:a16="http://schemas.microsoft.com/office/drawing/2014/main" id="{B68A8D26-7452-4321-BC3C-E89B189DFD47}"/>
-              </a:ext>
-            </a:extLst>
-          </p:cNvPr>
-          <p:cNvSpPr>
-            <a:spLocks noGrp="1"/>
-          </p:cNvSpPr>
-          <p:nvPr>
-            <p:ph type="title"/>
-          </p:nvPr>
-        </p:nvSpPr>
-        <p:spPr/>
-        <p:txBody>
-          <a:bodyPr/>
-          <a:lstStyle/>
-          <a:p>
-            <a:r>
-              <a:rPr lang="en-US" dirty="0"/>
-              <a:t>Define Simple CI/CD Pipeline</a:t>
-            </a:r>
-            <a:endParaRPr lang="el-GR" dirty="0"/>
-          </a:p>
-        </p:txBody>
-      </p:sp>
-      <p:sp>
-        <p:nvSpPr>
           <p:cNvPr id="3" name="Content Placeholder 2">
             <a:extLst>
               <a:ext uri="{FF2B5EF4-FFF2-40B4-BE49-F238E27FC236}">
-                <a16:creationId xmlns:a16="http://schemas.microsoft.com/office/drawing/2014/main" id="{261C0C15-527A-4626-98A3-54718D1AFC46}"/>
+                <a16:creationId xmlns:a16="http://schemas.microsoft.com/office/drawing/2014/main" id="{EADC667D-29C6-A74D-AA24-B0F83A4D95F6}"/>
               </a:ext>
             </a:extLst>
           </p:cNvPr>
@@ -3779,47 +3752,30 @@
         </p:nvSpPr>
         <p:spPr>
           <a:xfrm>
-            <a:off x="838200" y="1825625"/>
-            <a:ext cx="4321029" cy="4351338"/>
-          </a:xfrm>
-        </p:spPr>
-        <p:txBody>
-          <a:bodyPr>
+            <a:off x="563880" y="2599916"/>
+            <a:ext cx="11147475" cy="3126589"/>
+          </a:xfrm>
+        </p:spPr>
+        <p:txBody>
+          <a:bodyPr vert="horz" lIns="91440" tIns="45720" rIns="91440" bIns="45720" rtlCol="0" anchor="t">
             <a:normAutofit/>
           </a:bodyPr>
           <a:lstStyle/>
+          <a:p>
+            <a:pPr marL="457200" lvl="1" indent="0">
+              <a:buNone/>
+            </a:pPr>
+            <a:endParaRPr lang="en-US" sz="1800" dirty="0">
+              <a:cs typeface="Calibri"/>
+            </a:endParaRPr>
+          </a:p>
           <a:p>
             <a:pPr marL="0" indent="0">
               <a:buNone/>
             </a:pPr>
-            <a:r>
-              <a:rPr lang="en-US" dirty="0"/>
-              <a:t>The pipeline we created are composed of the following steps:</a:t>
-            </a:r>
-          </a:p>
-          <a:p>
-            <a:r>
-              <a:rPr lang="en-US" dirty="0"/>
-              <a:t>Build </a:t>
-            </a:r>
-          </a:p>
-          <a:p>
-            <a:r>
-              <a:rPr lang="en-US" dirty="0"/>
-              <a:t>Test</a:t>
-            </a:r>
-          </a:p>
-          <a:p>
-            <a:r>
-              <a:rPr lang="en-US" dirty="0"/>
-              <a:t>Package</a:t>
-            </a:r>
-          </a:p>
-          <a:p>
-            <a:r>
-              <a:rPr lang="en-US" dirty="0"/>
-              <a:t>Deploy</a:t>
-            </a:r>
+            <a:endParaRPr lang="en-GR" sz="2000" dirty="0">
+              <a:cs typeface="Calibri" panose="020F0502020204030204" pitchFamily="34" charset="0"/>
+            </a:endParaRPr>
           </a:p>
         </p:txBody>
       </p:sp>
@@ -3828,7 +3784,7 @@
           <p:cNvPr id="4" name="Footer Placeholder 3">
             <a:extLst>
               <a:ext uri="{FF2B5EF4-FFF2-40B4-BE49-F238E27FC236}">
-                <a16:creationId xmlns:a16="http://schemas.microsoft.com/office/drawing/2014/main" id="{D9023559-CBE0-4BFB-B4BC-C59EFDEB490F}"/>
+                <a16:creationId xmlns:a16="http://schemas.microsoft.com/office/drawing/2014/main" id="{16C1696C-3A61-834A-AD31-4AD407A9AC07}"/>
               </a:ext>
             </a:extLst>
           </p:cNvPr>
@@ -3845,19 +3801,237 @@
           <a:lstStyle/>
           <a:p>
             <a:r>
-              <a:rPr lang="en-US"/>
-              <a:t>Unisystems Copyright © 2019</a:t>
-            </a:r>
-            <a:endParaRPr lang="en-US" dirty="0"/>
+              <a:rPr lang="en-US" sz="1200" dirty="0" err="1">
+                <a:cs typeface="Calibri" panose="020F0502020204030204" pitchFamily="34" charset="0"/>
+              </a:rPr>
+              <a:t>Unisystems</a:t>
+            </a:r>
+            <a:r>
+              <a:rPr lang="en-US" sz="1200" dirty="0">
+                <a:cs typeface="Calibri" panose="020F0502020204030204" pitchFamily="34" charset="0"/>
+              </a:rPr>
+              <a:t> Copyright © 2023</a:t>
+            </a:r>
+          </a:p>
+        </p:txBody>
+      </p:sp>
+      <p:sp>
+        <p:nvSpPr>
+          <p:cNvPr id="5" name="Title 1">
+            <a:extLst>
+              <a:ext uri="{FF2B5EF4-FFF2-40B4-BE49-F238E27FC236}">
+                <a16:creationId xmlns:a16="http://schemas.microsoft.com/office/drawing/2014/main" id="{FCD4E3EF-49C6-5D44-A6C1-C1C36A894D99}"/>
+              </a:ext>
+            </a:extLst>
+          </p:cNvPr>
+          <p:cNvSpPr txBox="1">
+            <a:spLocks/>
+          </p:cNvSpPr>
+          <p:nvPr/>
+        </p:nvSpPr>
+        <p:spPr>
+          <a:xfrm>
+            <a:off x="432500" y="171573"/>
+            <a:ext cx="11278855" cy="1015871"/>
+          </a:xfrm>
+          <a:prstGeom prst="rect">
+            <a:avLst/>
+          </a:prstGeom>
+        </p:spPr>
+        <p:txBody>
+          <a:bodyPr vert="horz" lIns="91440" tIns="45720" rIns="91440" bIns="45720" rtlCol="0" anchor="ctr">
+            <a:normAutofit/>
+          </a:bodyPr>
+          <a:lstStyle>
+            <a:lvl1pPr algn="l" defTabSz="914400" rtl="0" eaLnBrk="1" latinLnBrk="0" hangingPunct="1">
+              <a:lnSpc>
+                <a:spcPct val="90000"/>
+              </a:lnSpc>
+              <a:spcBef>
+                <a:spcPct val="0"/>
+              </a:spcBef>
+              <a:buNone/>
+              <a:defRPr sz="3600" kern="1200">
+                <a:solidFill>
+                  <a:schemeClr val="tx1"/>
+                </a:solidFill>
+                <a:latin typeface="Century Gothic" panose="020B0502020202020204" pitchFamily="34" charset="0"/>
+                <a:ea typeface="+mj-ea"/>
+                <a:cs typeface="+mj-cs"/>
+              </a:defRPr>
+            </a:lvl1pPr>
+          </a:lstStyle>
+          <a:p>
+            <a:pPr fontAlgn="auto">
+              <a:spcAft>
+                <a:spcPts val="0"/>
+              </a:spcAft>
+            </a:pPr>
+            <a:r>
+              <a:rPr lang="en-US" sz="3600" dirty="0">
+                <a:solidFill>
+                  <a:srgbClr val="292929"/>
+                </a:solidFill>
+                <a:effectLst/>
+                <a:ea typeface="Times New Roman" panose="02020603050405020304" pitchFamily="18" charset="0"/>
+              </a:rPr>
+              <a:t>GitHub Sample Case - Member</a:t>
+            </a:r>
+          </a:p>
+        </p:txBody>
+      </p:sp>
+      <p:sp>
+        <p:nvSpPr>
+          <p:cNvPr id="2" name="TextBox 1">
+            <a:extLst>
+              <a:ext uri="{FF2B5EF4-FFF2-40B4-BE49-F238E27FC236}">
+                <a16:creationId xmlns:a16="http://schemas.microsoft.com/office/drawing/2014/main" id="{1C92E664-7CBB-4B70-8F3A-06916777EC3A}"/>
+              </a:ext>
+            </a:extLst>
+          </p:cNvPr>
+          <p:cNvSpPr txBox="1"/>
+          <p:nvPr/>
+        </p:nvSpPr>
+        <p:spPr>
+          <a:xfrm>
+            <a:off x="563880" y="988126"/>
+            <a:ext cx="5806822" cy="3693319"/>
+          </a:xfrm>
+          <a:prstGeom prst="rect">
+            <a:avLst/>
+          </a:prstGeom>
+          <a:noFill/>
+        </p:spPr>
+        <p:txBody>
+          <a:bodyPr wrap="square" rtlCol="0">
+            <a:spAutoFit/>
+          </a:bodyPr>
+          <a:lstStyle/>
+          <a:p>
+            <a:pPr marL="342900" indent="-342900">
+              <a:buAutoNum type="arabicPeriod"/>
+            </a:pPr>
+            <a:r>
+              <a:rPr lang="en-US" dirty="0">
+                <a:latin typeface="Century Gothic" panose="020B0502020202020204" pitchFamily="34" charset="0"/>
+              </a:rPr>
+              <a:t>Create GitHub Account (</a:t>
+            </a:r>
+            <a:r>
+              <a:rPr lang="en-US" dirty="0">
+                <a:latin typeface="Century Gothic" panose="020B0502020202020204" pitchFamily="34" charset="0"/>
+                <a:hlinkClick r:id="rId2"/>
+              </a:rPr>
+              <a:t>here</a:t>
+            </a:r>
+            <a:r>
+              <a:rPr lang="en-US" dirty="0">
+                <a:latin typeface="Century Gothic" panose="020B0502020202020204" pitchFamily="34" charset="0"/>
+              </a:rPr>
+              <a:t>)(option – Free , Pro, Enterprise – Pos , Cons)</a:t>
+            </a:r>
+          </a:p>
+          <a:p>
+            <a:pPr marL="342900" indent="-342900">
+              <a:buAutoNum type="arabicPeriod"/>
+            </a:pPr>
+            <a:r>
+              <a:rPr lang="en-US" dirty="0">
+                <a:latin typeface="Century Gothic" panose="020B0502020202020204" pitchFamily="34" charset="0"/>
+              </a:rPr>
+              <a:t>Join Uni-Systems-SMSA Organization through invite from owner </a:t>
+            </a:r>
+          </a:p>
+          <a:p>
+            <a:pPr marL="342900" indent="-342900">
+              <a:buAutoNum type="arabicPeriod"/>
+            </a:pPr>
+            <a:r>
+              <a:rPr lang="en-US" dirty="0">
+                <a:latin typeface="Century Gothic" panose="020B0502020202020204" pitchFamily="34" charset="0"/>
+              </a:rPr>
+              <a:t>Join the Internship team inside the organization from the invite that was sent </a:t>
+            </a:r>
+          </a:p>
+          <a:p>
+            <a:pPr marL="342900" indent="-342900">
+              <a:buAutoNum type="arabicPeriod"/>
+            </a:pPr>
+            <a:r>
+              <a:rPr lang="en-US" dirty="0">
+                <a:latin typeface="Century Gothic" panose="020B0502020202020204" pitchFamily="34" charset="0"/>
+                <a:hlinkClick r:id="rId3"/>
+              </a:rPr>
+              <a:t>Create a new branch</a:t>
+            </a:r>
+            <a:r>
+              <a:rPr lang="en-US" dirty="0">
+                <a:latin typeface="Century Gothic" panose="020B0502020202020204" pitchFamily="34" charset="0"/>
+              </a:rPr>
+              <a:t> to start working on the project </a:t>
+            </a:r>
+          </a:p>
+          <a:p>
+            <a:pPr marL="342900" indent="-342900">
+              <a:buAutoNum type="arabicPeriod"/>
+            </a:pPr>
+            <a:r>
+              <a:rPr lang="en-US" dirty="0">
+                <a:latin typeface="Century Gothic" panose="020B0502020202020204" pitchFamily="34" charset="0"/>
+              </a:rPr>
+              <a:t>When your task is finished you can </a:t>
+            </a:r>
+            <a:r>
+              <a:rPr lang="en-US" dirty="0">
+                <a:latin typeface="Century Gothic" panose="020B0502020202020204" pitchFamily="34" charset="0"/>
+                <a:hlinkClick r:id="rId4"/>
+              </a:rPr>
+              <a:t>create a pull request</a:t>
+            </a:r>
+            <a:r>
+              <a:rPr lang="en-US" dirty="0">
+                <a:latin typeface="Century Gothic" panose="020B0502020202020204" pitchFamily="34" charset="0"/>
+              </a:rPr>
+              <a:t> so that your work is integrated in the main branch.</a:t>
+            </a:r>
+          </a:p>
+          <a:p>
+            <a:endParaRPr lang="en-US" dirty="0">
+              <a:latin typeface="Century Gothic" panose="020B0502020202020204" pitchFamily="34" charset="0"/>
+            </a:endParaRPr>
+          </a:p>
+          <a:p>
+            <a:r>
+              <a:rPr lang="en-US" dirty="0">
+                <a:latin typeface="Century Gothic" panose="020B0502020202020204" pitchFamily="34" charset="0"/>
+              </a:rPr>
+              <a:t>Details on the steps can be found </a:t>
+            </a:r>
+            <a:r>
+              <a:rPr lang="en-US" dirty="0">
+                <a:latin typeface="Century Gothic" panose="020B0502020202020204" pitchFamily="34" charset="0"/>
+                <a:hlinkClick r:id="rId5"/>
+              </a:rPr>
+              <a:t>here</a:t>
+            </a:r>
+            <a:r>
+              <a:rPr lang="en-US" dirty="0">
+                <a:latin typeface="Century Gothic" panose="020B0502020202020204" pitchFamily="34" charset="0"/>
+              </a:rPr>
+              <a:t>.</a:t>
+            </a:r>
+            <a:endParaRPr lang="el-GR" dirty="0">
+              <a:latin typeface="Century Gothic" panose="020B0502020202020204" pitchFamily="34" charset="0"/>
+            </a:endParaRPr>
           </a:p>
         </p:txBody>
       </p:sp>
       <p:pic>
         <p:nvPicPr>
-          <p:cNvPr id="5" name="Picture 4">
-            <a:extLst>
-              <a:ext uri="{FF2B5EF4-FFF2-40B4-BE49-F238E27FC236}">
-                <a16:creationId xmlns:a16="http://schemas.microsoft.com/office/drawing/2014/main" id="{21B44EA6-83FB-4AAE-B836-FBA9B2E21456}"/>
+          <p:cNvPr id="8" name="Picture 7">
+            <a:extLst>
+              <a:ext uri="{FF2B5EF4-FFF2-40B4-BE49-F238E27FC236}">
+                <a16:creationId xmlns:a16="http://schemas.microsoft.com/office/drawing/2014/main" id="{129266B3-99F8-4488-BBD8-74D71F7F5F0B}"/>
               </a:ext>
             </a:extLst>
           </p:cNvPr>
@@ -3867,105 +4041,15 @@
           <p:nvPr/>
         </p:nvPicPr>
         <p:blipFill>
-          <a:blip r:embed="rId2"/>
+          <a:blip r:embed="rId6"/>
           <a:stretch>
             <a:fillRect/>
           </a:stretch>
         </p:blipFill>
         <p:spPr>
           <a:xfrm>
-            <a:off x="6333688" y="1690688"/>
-            <a:ext cx="1907796" cy="1907796"/>
-          </a:xfrm>
-          <a:prstGeom prst="rect">
-            <a:avLst/>
-          </a:prstGeom>
-        </p:spPr>
-      </p:pic>
-      <p:pic>
-        <p:nvPicPr>
-          <p:cNvPr id="6" name="Picture 5">
-            <a:extLst>
-              <a:ext uri="{FF2B5EF4-FFF2-40B4-BE49-F238E27FC236}">
-                <a16:creationId xmlns:a16="http://schemas.microsoft.com/office/drawing/2014/main" id="{6436E2B4-E9BE-424B-9333-877A470B0555}"/>
-              </a:ext>
-            </a:extLst>
-          </p:cNvPr>
-          <p:cNvPicPr>
-            <a:picLocks noChangeAspect="1"/>
-          </p:cNvPicPr>
-          <p:nvPr/>
-        </p:nvPicPr>
-        <p:blipFill>
-          <a:blip r:embed="rId3"/>
-          <a:stretch>
-            <a:fillRect/>
-          </a:stretch>
-        </p:blipFill>
-        <p:spPr>
-          <a:xfrm>
-            <a:off x="9353660" y="2032792"/>
-            <a:ext cx="2180376" cy="1223587"/>
-          </a:xfrm>
-          <a:prstGeom prst="rect">
-            <a:avLst/>
-          </a:prstGeom>
-        </p:spPr>
-      </p:pic>
-      <p:pic>
-        <p:nvPicPr>
-          <p:cNvPr id="7" name="Picture 6">
-            <a:extLst>
-              <a:ext uri="{FF2B5EF4-FFF2-40B4-BE49-F238E27FC236}">
-                <a16:creationId xmlns:a16="http://schemas.microsoft.com/office/drawing/2014/main" id="{A616F08A-45F9-4802-BD1F-5D3926053BCA}"/>
-              </a:ext>
-            </a:extLst>
-          </p:cNvPr>
-          <p:cNvPicPr>
-            <a:picLocks noChangeAspect="1"/>
-          </p:cNvPicPr>
-          <p:nvPr/>
-        </p:nvPicPr>
-        <p:blipFill>
-          <a:blip r:embed="rId4"/>
-          <a:stretch>
-            <a:fillRect/>
-          </a:stretch>
-        </p:blipFill>
-        <p:spPr>
-          <a:xfrm>
-            <a:off x="5743989" y="3822071"/>
-            <a:ext cx="2577567" cy="2203952"/>
-          </a:xfrm>
-          <a:prstGeom prst="rect">
-            <a:avLst/>
-          </a:prstGeom>
-        </p:spPr>
-      </p:pic>
-      <p:pic>
-        <p:nvPicPr>
-          <p:cNvPr id="8" name="Picture 7">
-            <a:extLst>
-              <a:ext uri="{FF2B5EF4-FFF2-40B4-BE49-F238E27FC236}">
-                <a16:creationId xmlns:a16="http://schemas.microsoft.com/office/drawing/2014/main" id="{61960140-F1BE-4A6A-B969-5212E4C1A06F}"/>
-              </a:ext>
-            </a:extLst>
-          </p:cNvPr>
-          <p:cNvPicPr>
-            <a:picLocks noChangeAspect="1"/>
-          </p:cNvPicPr>
-          <p:nvPr/>
-        </p:nvPicPr>
-        <p:blipFill>
-          <a:blip r:embed="rId5"/>
-          <a:stretch>
-            <a:fillRect/>
-          </a:stretch>
-        </p:blipFill>
-        <p:spPr>
-          <a:xfrm>
-            <a:off x="8774184" y="3319162"/>
-            <a:ext cx="2857801" cy="2857801"/>
+            <a:off x="6441858" y="1415397"/>
+            <a:ext cx="5573973" cy="2915592"/>
           </a:xfrm>
           <a:prstGeom prst="rect">
             <a:avLst/>
@@ -3975,7 +4059,7 @@
     </p:spTree>
     <p:extLst>
       <p:ext uri="{BB962C8B-B14F-4D97-AF65-F5344CB8AC3E}">
-        <p14:creationId xmlns:p14="http://schemas.microsoft.com/office/powerpoint/2010/main" val="2226758311"/>
+        <p14:creationId xmlns:p14="http://schemas.microsoft.com/office/powerpoint/2010/main" val="113698451"/>
       </p:ext>
     </p:extLst>
   </p:cSld>
@@ -4007,7 +4091,7 @@
           <p:cNvPr id="2" name="Title 1">
             <a:extLst>
               <a:ext uri="{FF2B5EF4-FFF2-40B4-BE49-F238E27FC236}">
-                <a16:creationId xmlns:a16="http://schemas.microsoft.com/office/drawing/2014/main" id="{7010AFD5-3079-40EC-912C-CA5946B39927}"/>
+                <a16:creationId xmlns:a16="http://schemas.microsoft.com/office/drawing/2014/main" id="{F7A15A60-FE49-4F11-BBA8-87C50CE1EB26}"/>
               </a:ext>
             </a:extLst>
           </p:cNvPr>
@@ -4025,7 +4109,7 @@
           <a:p>
             <a:r>
               <a:rPr lang="en-US" dirty="0"/>
-              <a:t>Build Step – GitHub Action</a:t>
+              <a:t>Task Management – GitHub Issues – GitHub Projects </a:t>
             </a:r>
             <a:endParaRPr lang="el-GR" dirty="0"/>
           </a:p>
@@ -4036,7 +4120,7 @@
           <p:cNvPr id="3" name="Content Placeholder 2">
             <a:extLst>
               <a:ext uri="{FF2B5EF4-FFF2-40B4-BE49-F238E27FC236}">
-                <a16:creationId xmlns:a16="http://schemas.microsoft.com/office/drawing/2014/main" id="{5A20E38A-4047-4942-A27E-3AC0BDEBB23C}"/>
+                <a16:creationId xmlns:a16="http://schemas.microsoft.com/office/drawing/2014/main" id="{B53B0F35-8897-4764-8019-4A2E294498C1}"/>
               </a:ext>
             </a:extLst>
           </p:cNvPr>
@@ -4049,13 +4133,13 @@
         </p:nvSpPr>
         <p:spPr>
           <a:xfrm>
-            <a:off x="838200" y="1515232"/>
-            <a:ext cx="4656034" cy="4351338"/>
+            <a:off x="838200" y="1690688"/>
+            <a:ext cx="4950204" cy="4351338"/>
           </a:xfrm>
         </p:spPr>
         <p:txBody>
           <a:bodyPr>
-            <a:normAutofit lnSpcReduction="10000"/>
+            <a:normAutofit fontScale="92500"/>
           </a:bodyPr>
           <a:lstStyle/>
           <a:p>
@@ -4064,36 +4148,52 @@
             </a:pPr>
             <a:r>
               <a:rPr lang="en-US" dirty="0"/>
-              <a:t>The build step is made up from the development of the project (code). </a:t>
-            </a:r>
-          </a:p>
-          <a:p>
-            <a:r>
-              <a:rPr lang="en-US" dirty="0"/>
-              <a:t>For the build step we set branch protection rules to protect the main branch (</a:t>
+              <a:t>GitHub offers a task management tool called </a:t>
             </a:r>
             <a:r>
               <a:rPr lang="en-US" dirty="0">
                 <a:hlinkClick r:id="rId2"/>
               </a:rPr>
-              <a:t>see the list here</a:t>
+              <a:t>GitHub Project</a:t>
             </a:r>
             <a:r>
               <a:rPr lang="en-US" dirty="0"/>
-              <a:t>)</a:t>
-            </a:r>
-          </a:p>
-          <a:p>
-            <a:r>
-              <a:rPr lang="en-US" dirty="0"/>
-              <a:t>The GitHub Action config file can be found </a:t>
+              <a:t> which has an integration with </a:t>
             </a:r>
             <a:r>
               <a:rPr lang="en-US" dirty="0">
                 <a:hlinkClick r:id="rId3"/>
               </a:rPr>
+              <a:t>GitHub Issues </a:t>
+            </a:r>
+            <a:endParaRPr lang="en-US" dirty="0"/>
+          </a:p>
+          <a:p>
+            <a:r>
+              <a:rPr lang="en-US" dirty="0"/>
+              <a:t>Issues can be created from </a:t>
+            </a:r>
+            <a:r>
+              <a:rPr lang="en-US" dirty="0">
+                <a:hlinkClick r:id="rId3"/>
+              </a:rPr>
               <a:t>here</a:t>
             </a:r>
+            <a:r>
+              <a:rPr lang="en-US" dirty="0"/>
+              <a:t> and can be assigned to one or more persons</a:t>
+            </a:r>
+          </a:p>
+          <a:p>
+            <a:r>
+              <a:rPr lang="en-US" dirty="0"/>
+              <a:t>Projects provide a very useful and easy to use interface to organize issues and tasks</a:t>
+            </a:r>
+          </a:p>
+          <a:p>
+            <a:pPr marL="0" indent="0">
+              <a:buNone/>
+            </a:pPr>
             <a:endParaRPr lang="el-GR" dirty="0"/>
           </a:p>
         </p:txBody>
@@ -4103,7 +4203,7 @@
           <p:cNvPr id="4" name="Footer Placeholder 3">
             <a:extLst>
               <a:ext uri="{FF2B5EF4-FFF2-40B4-BE49-F238E27FC236}">
-                <a16:creationId xmlns:a16="http://schemas.microsoft.com/office/drawing/2014/main" id="{DDD77CB2-052C-430D-BC3B-220445D07239}"/>
+                <a16:creationId xmlns:a16="http://schemas.microsoft.com/office/drawing/2014/main" id="{FF482BF0-8935-4FBD-8F3E-450E53333C24}"/>
               </a:ext>
             </a:extLst>
           </p:cNvPr>
@@ -4129,10 +4229,10 @@
       </p:sp>
       <p:pic>
         <p:nvPicPr>
-          <p:cNvPr id="8" name="Picture 7">
-            <a:extLst>
-              <a:ext uri="{FF2B5EF4-FFF2-40B4-BE49-F238E27FC236}">
-                <a16:creationId xmlns:a16="http://schemas.microsoft.com/office/drawing/2014/main" id="{4C710E82-8D2F-4F2D-8F74-BE706CA081A2}"/>
+          <p:cNvPr id="6" name="Picture 5">
+            <a:extLst>
+              <a:ext uri="{FF2B5EF4-FFF2-40B4-BE49-F238E27FC236}">
+                <a16:creationId xmlns:a16="http://schemas.microsoft.com/office/drawing/2014/main" id="{94A9152D-8549-4C89-B691-B1373EF16B40}"/>
               </a:ext>
             </a:extLst>
           </p:cNvPr>
@@ -4149,8 +4249,8 @@
         </p:blipFill>
         <p:spPr>
           <a:xfrm>
-            <a:off x="6970654" y="3180092"/>
-            <a:ext cx="4114800" cy="2854731"/>
+            <a:off x="6697909" y="4060905"/>
+            <a:ext cx="4655891" cy="2055893"/>
           </a:xfrm>
           <a:prstGeom prst="rect">
             <a:avLst/>
@@ -4159,10 +4259,10 @@
       </p:pic>
       <p:pic>
         <p:nvPicPr>
-          <p:cNvPr id="10" name="Picture 9">
-            <a:extLst>
-              <a:ext uri="{FF2B5EF4-FFF2-40B4-BE49-F238E27FC236}">
-                <a16:creationId xmlns:a16="http://schemas.microsoft.com/office/drawing/2014/main" id="{5607EA7A-580E-475C-A203-969C9445588C}"/>
+          <p:cNvPr id="8" name="Picture 7">
+            <a:extLst>
+              <a:ext uri="{FF2B5EF4-FFF2-40B4-BE49-F238E27FC236}">
+                <a16:creationId xmlns:a16="http://schemas.microsoft.com/office/drawing/2014/main" id="{42EEDF4C-1374-4A2F-BEA1-520CDD8BC811}"/>
               </a:ext>
             </a:extLst>
           </p:cNvPr>
@@ -4179,8 +4279,8 @@
         </p:blipFill>
         <p:spPr>
           <a:xfrm>
-            <a:off x="5939405" y="1157237"/>
-            <a:ext cx="5802450" cy="1709956"/>
+            <a:off x="5654179" y="1211977"/>
+            <a:ext cx="3240947" cy="2774156"/>
           </a:xfrm>
           <a:prstGeom prst="rect">
             <a:avLst/>
@@ -4190,7 +4290,7 @@
     </p:spTree>
     <p:extLst>
       <p:ext uri="{BB962C8B-B14F-4D97-AF65-F5344CB8AC3E}">
-        <p14:creationId xmlns:p14="http://schemas.microsoft.com/office/powerpoint/2010/main" val="1280135840"/>
+        <p14:creationId xmlns:p14="http://schemas.microsoft.com/office/powerpoint/2010/main" val="3491287803"/>
       </p:ext>
     </p:extLst>
   </p:cSld>
@@ -4222,7 +4322,7 @@
           <p:cNvPr id="2" name="Title 1">
             <a:extLst>
               <a:ext uri="{FF2B5EF4-FFF2-40B4-BE49-F238E27FC236}">
-                <a16:creationId xmlns:a16="http://schemas.microsoft.com/office/drawing/2014/main" id="{5E026FA3-4F7D-4538-A904-AE48D158BC06}"/>
+                <a16:creationId xmlns:a16="http://schemas.microsoft.com/office/drawing/2014/main" id="{B68A8D26-7452-4321-BC3C-E89B189DFD47}"/>
               </a:ext>
             </a:extLst>
           </p:cNvPr>
@@ -4240,7 +4340,7 @@
           <a:p>
             <a:r>
               <a:rPr lang="en-US" dirty="0"/>
-              <a:t>Test Step - GitHub Action </a:t>
+              <a:t>Define Simple CI/CD Pipeline</a:t>
             </a:r>
             <a:endParaRPr lang="el-GR" dirty="0"/>
           </a:p>
@@ -4251,7 +4351,7 @@
           <p:cNvPr id="3" name="Content Placeholder 2">
             <a:extLst>
               <a:ext uri="{FF2B5EF4-FFF2-40B4-BE49-F238E27FC236}">
-                <a16:creationId xmlns:a16="http://schemas.microsoft.com/office/drawing/2014/main" id="{48BCEE7F-3D2B-4E6E-BA1A-4DA87650267F}"/>
+                <a16:creationId xmlns:a16="http://schemas.microsoft.com/office/drawing/2014/main" id="{261C0C15-527A-4626-98A3-54718D1AFC46}"/>
               </a:ext>
             </a:extLst>
           </p:cNvPr>
@@ -4265,11 +4365,13 @@
         <p:spPr>
           <a:xfrm>
             <a:off x="838200" y="1825625"/>
-            <a:ext cx="5352875" cy="4351338"/>
-          </a:xfrm>
-        </p:spPr>
-        <p:txBody>
-          <a:bodyPr/>
+            <a:ext cx="4321029" cy="4351338"/>
+          </a:xfrm>
+        </p:spPr>
+        <p:txBody>
+          <a:bodyPr>
+            <a:normAutofit/>
+          </a:bodyPr>
           <a:lstStyle/>
           <a:p>
             <a:pPr marL="0" indent="0">
@@ -4277,39 +4379,31 @@
             </a:pPr>
             <a:r>
               <a:rPr lang="en-US" dirty="0"/>
-              <a:t>The testing of our code is done with React Testing Library (alternative : </a:t>
-            </a:r>
-            <a:r>
-              <a:rPr lang="en-US" dirty="0">
-                <a:hlinkClick r:id="rId2"/>
-              </a:rPr>
-              <a:t>Jest</a:t>
-            </a:r>
+              <a:t>The pipeline we created are composed of the following steps:</a:t>
+            </a:r>
+          </a:p>
+          <a:p>
             <a:r>
               <a:rPr lang="en-US" dirty="0"/>
-              <a:t>)</a:t>
+              <a:t>Build </a:t>
             </a:r>
           </a:p>
           <a:p>
             <a:r>
               <a:rPr lang="en-US" dirty="0"/>
-              <a:t>We set a Unit Test in our code as an example (</a:t>
-            </a:r>
-            <a:r>
-              <a:rPr lang="en-US" dirty="0">
-                <a:hlinkClick r:id="rId3"/>
-              </a:rPr>
-              <a:t>code here</a:t>
-            </a:r>
+              <a:t>Test</a:t>
+            </a:r>
+          </a:p>
+          <a:p>
             <a:r>
               <a:rPr lang="en-US" dirty="0"/>
-              <a:t>)</a:t>
+              <a:t>Package</a:t>
             </a:r>
           </a:p>
           <a:p>
             <a:r>
               <a:rPr lang="en-US" dirty="0"/>
-              <a:t>Every push to main must pass this Test to be accepted </a:t>
+              <a:t>Deploy</a:t>
             </a:r>
           </a:p>
         </p:txBody>
@@ -4319,7 +4413,7 @@
           <p:cNvPr id="4" name="Footer Placeholder 3">
             <a:extLst>
               <a:ext uri="{FF2B5EF4-FFF2-40B4-BE49-F238E27FC236}">
-                <a16:creationId xmlns:a16="http://schemas.microsoft.com/office/drawing/2014/main" id="{4D1F6A39-AF01-4723-9227-EE039176AC49}"/>
+                <a16:creationId xmlns:a16="http://schemas.microsoft.com/office/drawing/2014/main" id="{D9023559-CBE0-4BFB-B4BC-C59EFDEB490F}"/>
               </a:ext>
             </a:extLst>
           </p:cNvPr>
@@ -4343,12 +4437,72 @@
           </a:p>
         </p:txBody>
       </p:sp>
+      <p:pic>
+        <p:nvPicPr>
+          <p:cNvPr id="5" name="Picture 4">
+            <a:extLst>
+              <a:ext uri="{FF2B5EF4-FFF2-40B4-BE49-F238E27FC236}">
+                <a16:creationId xmlns:a16="http://schemas.microsoft.com/office/drawing/2014/main" id="{21B44EA6-83FB-4AAE-B836-FBA9B2E21456}"/>
+              </a:ext>
+            </a:extLst>
+          </p:cNvPr>
+          <p:cNvPicPr>
+            <a:picLocks noChangeAspect="1"/>
+          </p:cNvPicPr>
+          <p:nvPr/>
+        </p:nvPicPr>
+        <p:blipFill>
+          <a:blip r:embed="rId2"/>
+          <a:stretch>
+            <a:fillRect/>
+          </a:stretch>
+        </p:blipFill>
+        <p:spPr>
+          <a:xfrm>
+            <a:off x="6333688" y="1690688"/>
+            <a:ext cx="1907796" cy="1907796"/>
+          </a:xfrm>
+          <a:prstGeom prst="rect">
+            <a:avLst/>
+          </a:prstGeom>
+        </p:spPr>
+      </p:pic>
       <p:pic>
         <p:nvPicPr>
           <p:cNvPr id="6" name="Picture 5">
             <a:extLst>
               <a:ext uri="{FF2B5EF4-FFF2-40B4-BE49-F238E27FC236}">
-                <a16:creationId xmlns:a16="http://schemas.microsoft.com/office/drawing/2014/main" id="{B3581DE4-5CD8-4B1E-B3CE-9CD317387E73}"/>
+                <a16:creationId xmlns:a16="http://schemas.microsoft.com/office/drawing/2014/main" id="{6436E2B4-E9BE-424B-9333-877A470B0555}"/>
+              </a:ext>
+            </a:extLst>
+          </p:cNvPr>
+          <p:cNvPicPr>
+            <a:picLocks noChangeAspect="1"/>
+          </p:cNvPicPr>
+          <p:nvPr/>
+        </p:nvPicPr>
+        <p:blipFill>
+          <a:blip r:embed="rId3"/>
+          <a:stretch>
+            <a:fillRect/>
+          </a:stretch>
+        </p:blipFill>
+        <p:spPr>
+          <a:xfrm>
+            <a:off x="9353660" y="2032792"/>
+            <a:ext cx="2180376" cy="1223587"/>
+          </a:xfrm>
+          <a:prstGeom prst="rect">
+            <a:avLst/>
+          </a:prstGeom>
+        </p:spPr>
+      </p:pic>
+      <p:pic>
+        <p:nvPicPr>
+          <p:cNvPr id="7" name="Picture 6">
+            <a:extLst>
+              <a:ext uri="{FF2B5EF4-FFF2-40B4-BE49-F238E27FC236}">
+                <a16:creationId xmlns:a16="http://schemas.microsoft.com/office/drawing/2014/main" id="{A616F08A-45F9-4802-BD1F-5D3926053BCA}"/>
               </a:ext>
             </a:extLst>
           </p:cNvPr>
@@ -4365,8 +4519,8 @@
         </p:blipFill>
         <p:spPr>
           <a:xfrm>
-            <a:off x="6350782" y="2352166"/>
-            <a:ext cx="5841218" cy="3342706"/>
+            <a:off x="5743989" y="3822071"/>
+            <a:ext cx="2577567" cy="2203952"/>
           </a:xfrm>
           <a:prstGeom prst="rect">
             <a:avLst/>
@@ -4375,10 +4529,10 @@
       </p:pic>
       <p:pic>
         <p:nvPicPr>
-          <p:cNvPr id="7" name="Picture 6">
-            <a:extLst>
-              <a:ext uri="{FF2B5EF4-FFF2-40B4-BE49-F238E27FC236}">
-                <a16:creationId xmlns:a16="http://schemas.microsoft.com/office/drawing/2014/main" id="{B7FB0AF5-27BB-4997-980B-3958BD9D4FD6}"/>
+          <p:cNvPr id="8" name="Picture 7">
+            <a:extLst>
+              <a:ext uri="{FF2B5EF4-FFF2-40B4-BE49-F238E27FC236}">
+                <a16:creationId xmlns:a16="http://schemas.microsoft.com/office/drawing/2014/main" id="{61960140-F1BE-4A6A-B969-5212E4C1A06F}"/>
               </a:ext>
             </a:extLst>
           </p:cNvPr>
@@ -4395,8 +4549,8 @@
         </p:blipFill>
         <p:spPr>
           <a:xfrm>
-            <a:off x="7231310" y="365125"/>
-            <a:ext cx="2888609" cy="1624843"/>
+            <a:off x="8774184" y="3319162"/>
+            <a:ext cx="2857801" cy="2857801"/>
           </a:xfrm>
           <a:prstGeom prst="rect">
             <a:avLst/>
@@ -4406,7 +4560,7 @@
     </p:spTree>
     <p:extLst>
       <p:ext uri="{BB962C8B-B14F-4D97-AF65-F5344CB8AC3E}">
-        <p14:creationId xmlns:p14="http://schemas.microsoft.com/office/powerpoint/2010/main" val="2179476587"/>
+        <p14:creationId xmlns:p14="http://schemas.microsoft.com/office/powerpoint/2010/main" val="2226758311"/>
       </p:ext>
     </p:extLst>
   </p:cSld>
@@ -4438,7 +4592,7 @@
           <p:cNvPr id="2" name="Title 1">
             <a:extLst>
               <a:ext uri="{FF2B5EF4-FFF2-40B4-BE49-F238E27FC236}">
-                <a16:creationId xmlns:a16="http://schemas.microsoft.com/office/drawing/2014/main" id="{6CE7B8DE-CE9B-4845-9DB0-441791BE4F6A}"/>
+                <a16:creationId xmlns:a16="http://schemas.microsoft.com/office/drawing/2014/main" id="{7010AFD5-3079-40EC-912C-CA5946B39927}"/>
               </a:ext>
             </a:extLst>
           </p:cNvPr>
@@ -4456,7 +4610,7 @@
           <a:p>
             <a:r>
               <a:rPr lang="en-US" dirty="0"/>
-              <a:t>Packaging Step – Shell script (VM 224) </a:t>
+              <a:t>Build Step – GitHub Action</a:t>
             </a:r>
             <a:endParaRPr lang="el-GR" dirty="0"/>
           </a:p>
@@ -4467,7 +4621,7 @@
           <p:cNvPr id="3" name="Content Placeholder 2">
             <a:extLst>
               <a:ext uri="{FF2B5EF4-FFF2-40B4-BE49-F238E27FC236}">
-                <a16:creationId xmlns:a16="http://schemas.microsoft.com/office/drawing/2014/main" id="{421F6E67-96EB-4A8A-BC7E-686AF72868DC}"/>
+                <a16:creationId xmlns:a16="http://schemas.microsoft.com/office/drawing/2014/main" id="{5A20E38A-4047-4942-A27E-3AC0BDEBB23C}"/>
               </a:ext>
             </a:extLst>
           </p:cNvPr>
@@ -4480,13 +4634,13 @@
         </p:nvSpPr>
         <p:spPr>
           <a:xfrm>
-            <a:off x="838200" y="1825625"/>
-            <a:ext cx="4966982" cy="4351338"/>
+            <a:off x="838200" y="1515232"/>
+            <a:ext cx="4656034" cy="4351338"/>
           </a:xfrm>
         </p:spPr>
         <p:txBody>
           <a:bodyPr>
-            <a:normAutofit fontScale="62500" lnSpcReduction="20000"/>
+            <a:normAutofit lnSpcReduction="10000"/>
           </a:bodyPr>
           <a:lstStyle/>
           <a:p>
@@ -4495,19 +4649,19 @@
             </a:pPr>
             <a:r>
               <a:rPr lang="en-US" dirty="0"/>
-              <a:t>The packaging step is done on our server every time we want (alternative </a:t>
+              <a:t>The build step is made up from the development of the project (code). </a:t>
+            </a:r>
+          </a:p>
+          <a:p>
+            <a:r>
+              <a:rPr lang="en-US" dirty="0"/>
+              <a:t>For the build step we set branch protection rules to protect the main branch (</a:t>
             </a:r>
             <a:r>
               <a:rPr lang="en-US" dirty="0">
                 <a:hlinkClick r:id="rId2"/>
               </a:rPr>
-              <a:t>AWS </a:t>
-            </a:r>
-            <a:r>
-              <a:rPr lang="en-US" dirty="0" err="1">
-                <a:hlinkClick r:id="rId2"/>
-              </a:rPr>
-              <a:t>CodeBuild</a:t>
+              <a:t>see the list here</a:t>
             </a:r>
             <a:r>
               <a:rPr lang="en-US" dirty="0"/>
@@ -4515,111 +4669,16 @@
             </a:r>
           </a:p>
           <a:p>
-            <a:pPr marL="514350" indent="-514350">
-              <a:buFont typeface="+mj-lt"/>
-              <a:buAutoNum type="arabicPeriod"/>
-            </a:pPr>
             <a:r>
               <a:rPr lang="en-US" dirty="0"/>
-              <a:t>First we set up the Docker Engine on our VM (</a:t>
+              <a:t>The GitHub Action config file can be found </a:t>
             </a:r>
             <a:r>
               <a:rPr lang="en-US" dirty="0">
                 <a:hlinkClick r:id="rId3"/>
               </a:rPr>
-              <a:t>tutorial</a:t>
-            </a:r>
-            <a:r>
-              <a:rPr lang="en-US" dirty="0"/>
-              <a:t>)</a:t>
-            </a:r>
-          </a:p>
-          <a:p>
-            <a:pPr marL="514350" indent="-514350">
-              <a:buFont typeface="+mj-lt"/>
-              <a:buAutoNum type="arabicPeriod"/>
-            </a:pPr>
-            <a:r>
-              <a:rPr lang="en-US" dirty="0"/>
-              <a:t>Then we created a docker registry on our VM to store our Docker Images (</a:t>
-            </a:r>
-            <a:r>
-              <a:rPr lang="en-US" dirty="0">
-                <a:hlinkClick r:id="rId4"/>
-              </a:rPr>
-              <a:t>tutorial</a:t>
-            </a:r>
-            <a:r>
-              <a:rPr lang="en-US" dirty="0"/>
-              <a:t>)</a:t>
-            </a:r>
-          </a:p>
-          <a:p>
-            <a:pPr marL="514350" indent="-514350">
-              <a:buFont typeface="+mj-lt"/>
-              <a:buAutoNum type="arabicPeriod"/>
-            </a:pPr>
-            <a:r>
-              <a:rPr lang="en-US" dirty="0"/>
-              <a:t>We created </a:t>
-            </a:r>
-            <a:r>
-              <a:rPr lang="en-US" dirty="0">
-                <a:hlinkClick r:id="rId5"/>
-              </a:rPr>
-              <a:t>our </a:t>
-            </a:r>
-            <a:r>
-              <a:rPr lang="en-US" dirty="0" err="1">
-                <a:hlinkClick r:id="rId5"/>
-              </a:rPr>
-              <a:t>Dockerfile</a:t>
-            </a:r>
-            <a:r>
-              <a:rPr lang="en-US" dirty="0">
-                <a:hlinkClick r:id="rId5"/>
-              </a:rPr>
-              <a:t> </a:t>
-            </a:r>
-            <a:r>
-              <a:rPr lang="en-US" dirty="0"/>
-              <a:t>to specify the commands the Docker engine executes to create a Docker image from our code</a:t>
-            </a:r>
-          </a:p>
-          <a:p>
-            <a:pPr marL="514350" indent="-514350">
-              <a:buFont typeface="+mj-lt"/>
-              <a:buAutoNum type="arabicPeriod"/>
-            </a:pPr>
-            <a:r>
-              <a:rPr lang="en-US" dirty="0"/>
-              <a:t>Then we wrote the </a:t>
-            </a:r>
-            <a:r>
-              <a:rPr lang="en-US" dirty="0">
-                <a:hlinkClick r:id="rId6"/>
-              </a:rPr>
-              <a:t>script</a:t>
-            </a:r>
-            <a:r>
-              <a:rPr lang="en-US" dirty="0"/>
-              <a:t> that we run when we want to package a new version of our code </a:t>
-            </a:r>
-          </a:p>
-          <a:p>
-            <a:pPr marL="514350" indent="-514350">
-              <a:buFont typeface="+mj-lt"/>
-              <a:buAutoNum type="arabicPeriod"/>
-            </a:pPr>
-            <a:r>
-              <a:rPr lang="en-US" dirty="0"/>
-              <a:t>If we want to use the new version of our code we can find it in our registry </a:t>
-            </a:r>
-          </a:p>
-          <a:p>
-            <a:pPr marL="0" indent="0">
-              <a:buNone/>
-            </a:pPr>
+              <a:t>here</a:t>
+            </a:r>
             <a:endParaRPr lang="el-GR" dirty="0"/>
           </a:p>
         </p:txBody>
@@ -4629,7 +4688,7 @@
           <p:cNvPr id="4" name="Footer Placeholder 3">
             <a:extLst>
               <a:ext uri="{FF2B5EF4-FFF2-40B4-BE49-F238E27FC236}">
-                <a16:creationId xmlns:a16="http://schemas.microsoft.com/office/drawing/2014/main" id="{38AB834D-8C76-4D07-A89E-B2EE51D69BAA}"/>
+                <a16:creationId xmlns:a16="http://schemas.microsoft.com/office/drawing/2014/main" id="{DDD77CB2-052C-430D-BC3B-220445D07239}"/>
               </a:ext>
             </a:extLst>
           </p:cNvPr>
@@ -4655,10 +4714,10 @@
       </p:sp>
       <p:pic>
         <p:nvPicPr>
-          <p:cNvPr id="6" name="Picture 5">
-            <a:extLst>
-              <a:ext uri="{FF2B5EF4-FFF2-40B4-BE49-F238E27FC236}">
-                <a16:creationId xmlns:a16="http://schemas.microsoft.com/office/drawing/2014/main" id="{AB891364-D859-4558-8E84-2B83B2DAC8F8}"/>
+          <p:cNvPr id="8" name="Picture 7">
+            <a:extLst>
+              <a:ext uri="{FF2B5EF4-FFF2-40B4-BE49-F238E27FC236}">
+                <a16:creationId xmlns:a16="http://schemas.microsoft.com/office/drawing/2014/main" id="{4C710E82-8D2F-4F2D-8F74-BE706CA081A2}"/>
               </a:ext>
             </a:extLst>
           </p:cNvPr>
@@ -4668,15 +4727,15 @@
           <p:nvPr/>
         </p:nvPicPr>
         <p:blipFill>
-          <a:blip r:embed="rId7"/>
+          <a:blip r:embed="rId4"/>
           <a:stretch>
             <a:fillRect/>
           </a:stretch>
         </p:blipFill>
         <p:spPr>
           <a:xfrm>
-            <a:off x="6096000" y="1690688"/>
-            <a:ext cx="5178980" cy="549286"/>
+            <a:off x="6970654" y="3180092"/>
+            <a:ext cx="4114800" cy="2854731"/>
           </a:xfrm>
           <a:prstGeom prst="rect">
             <a:avLst/>
@@ -4685,10 +4744,10 @@
       </p:pic>
       <p:pic>
         <p:nvPicPr>
-          <p:cNvPr id="8" name="Picture 7">
-            <a:extLst>
-              <a:ext uri="{FF2B5EF4-FFF2-40B4-BE49-F238E27FC236}">
-                <a16:creationId xmlns:a16="http://schemas.microsoft.com/office/drawing/2014/main" id="{6444DF9D-C278-47DC-9571-B6EFD0B58A7B}"/>
+          <p:cNvPr id="10" name="Picture 9">
+            <a:extLst>
+              <a:ext uri="{FF2B5EF4-FFF2-40B4-BE49-F238E27FC236}">
+                <a16:creationId xmlns:a16="http://schemas.microsoft.com/office/drawing/2014/main" id="{5607EA7A-580E-475C-A203-969C9445588C}"/>
               </a:ext>
             </a:extLst>
           </p:cNvPr>
@@ -4698,171 +4757,25 @@
           <p:nvPr/>
         </p:nvPicPr>
         <p:blipFill>
-          <a:blip r:embed="rId8"/>
+          <a:blip r:embed="rId5"/>
           <a:stretch>
             <a:fillRect/>
           </a:stretch>
         </p:blipFill>
         <p:spPr>
           <a:xfrm>
-            <a:off x="6096000" y="3010890"/>
-            <a:ext cx="5178980" cy="184964"/>
+            <a:off x="5939405" y="1157237"/>
+            <a:ext cx="5802450" cy="1709956"/>
           </a:xfrm>
           <a:prstGeom prst="rect">
             <a:avLst/>
           </a:prstGeom>
         </p:spPr>
       </p:pic>
-      <p:pic>
-        <p:nvPicPr>
-          <p:cNvPr id="10" name="Picture 9">
-            <a:extLst>
-              <a:ext uri="{FF2B5EF4-FFF2-40B4-BE49-F238E27FC236}">
-                <a16:creationId xmlns:a16="http://schemas.microsoft.com/office/drawing/2014/main" id="{0AB92296-0940-4DD5-ADAF-E0C8ECAF2320}"/>
-              </a:ext>
-            </a:extLst>
-          </p:cNvPr>
-          <p:cNvPicPr>
-            <a:picLocks noChangeAspect="1"/>
-          </p:cNvPicPr>
-          <p:nvPr/>
-        </p:nvPicPr>
-        <p:blipFill>
-          <a:blip r:embed="rId9"/>
-          <a:stretch>
-            <a:fillRect/>
-          </a:stretch>
-        </p:blipFill>
-        <p:spPr>
-          <a:xfrm>
-            <a:off x="6095998" y="3966770"/>
-            <a:ext cx="5178979" cy="285082"/>
-          </a:xfrm>
-          <a:prstGeom prst="rect">
-            <a:avLst/>
-          </a:prstGeom>
-        </p:spPr>
-      </p:pic>
-      <p:sp>
-        <p:nvSpPr>
-          <p:cNvPr id="17" name="Arrow: Down 16">
-            <a:extLst>
-              <a:ext uri="{FF2B5EF4-FFF2-40B4-BE49-F238E27FC236}">
-                <a16:creationId xmlns:a16="http://schemas.microsoft.com/office/drawing/2014/main" id="{5DB1FEDD-082A-485B-8E95-0CDA49446806}"/>
-              </a:ext>
-            </a:extLst>
-          </p:cNvPr>
-          <p:cNvSpPr/>
-          <p:nvPr/>
-        </p:nvSpPr>
-        <p:spPr>
-          <a:xfrm>
-            <a:off x="8475159" y="2355432"/>
-            <a:ext cx="180000" cy="540000"/>
-          </a:xfrm>
-          <a:prstGeom prst="downArrow">
-            <a:avLst/>
-          </a:prstGeom>
-        </p:spPr>
-        <p:style>
-          <a:lnRef idx="2">
-            <a:schemeClr val="dk1">
-              <a:shade val="50000"/>
-            </a:schemeClr>
-          </a:lnRef>
-          <a:fillRef idx="1">
-            <a:schemeClr val="dk1"/>
-          </a:fillRef>
-          <a:effectRef idx="0">
-            <a:schemeClr val="dk1"/>
-          </a:effectRef>
-          <a:fontRef idx="minor">
-            <a:schemeClr val="lt1"/>
-          </a:fontRef>
-        </p:style>
-        <p:txBody>
-          <a:bodyPr rtlCol="0" anchor="ctr"/>
-          <a:lstStyle/>
-          <a:p>
-            <a:pPr algn="ctr"/>
-            <a:endParaRPr lang="el-GR">
-              <a:ln w="0"/>
-              <a:solidFill>
-                <a:schemeClr val="tx1"/>
-              </a:solidFill>
-              <a:effectLst>
-                <a:outerShdw blurRad="38100" dist="19050" dir="2700000" algn="tl" rotWithShape="0">
-                  <a:schemeClr val="dk1">
-                    <a:alpha val="40000"/>
-                  </a:schemeClr>
-                </a:outerShdw>
-              </a:effectLst>
-            </a:endParaRPr>
-          </a:p>
-        </p:txBody>
-      </p:sp>
-      <p:sp>
-        <p:nvSpPr>
-          <p:cNvPr id="18" name="Arrow: Down 17">
-            <a:extLst>
-              <a:ext uri="{FF2B5EF4-FFF2-40B4-BE49-F238E27FC236}">
-                <a16:creationId xmlns:a16="http://schemas.microsoft.com/office/drawing/2014/main" id="{4CD549DB-7DF5-4998-91C6-35186CDD918C}"/>
-              </a:ext>
-            </a:extLst>
-          </p:cNvPr>
-          <p:cNvSpPr/>
-          <p:nvPr/>
-        </p:nvSpPr>
-        <p:spPr>
-          <a:xfrm>
-            <a:off x="8475159" y="3311312"/>
-            <a:ext cx="180000" cy="540000"/>
-          </a:xfrm>
-          <a:prstGeom prst="downArrow">
-            <a:avLst/>
-          </a:prstGeom>
-        </p:spPr>
-        <p:style>
-          <a:lnRef idx="2">
-            <a:schemeClr val="dk1">
-              <a:shade val="50000"/>
-            </a:schemeClr>
-          </a:lnRef>
-          <a:fillRef idx="1">
-            <a:schemeClr val="dk1"/>
-          </a:fillRef>
-          <a:effectRef idx="0">
-            <a:schemeClr val="dk1"/>
-          </a:effectRef>
-          <a:fontRef idx="minor">
-            <a:schemeClr val="lt1"/>
-          </a:fontRef>
-        </p:style>
-        <p:txBody>
-          <a:bodyPr rtlCol="0" anchor="ctr"/>
-          <a:lstStyle/>
-          <a:p>
-            <a:pPr algn="ctr"/>
-            <a:endParaRPr lang="el-GR">
-              <a:ln w="0"/>
-              <a:solidFill>
-                <a:schemeClr val="tx1"/>
-              </a:solidFill>
-              <a:effectLst>
-                <a:outerShdw blurRad="38100" dist="19050" dir="2700000" algn="tl" rotWithShape="0">
-                  <a:schemeClr val="dk1">
-                    <a:alpha val="40000"/>
-                  </a:schemeClr>
-                </a:outerShdw>
-              </a:effectLst>
-            </a:endParaRPr>
-          </a:p>
-        </p:txBody>
-      </p:sp>
     </p:spTree>
     <p:extLst>
       <p:ext uri="{BB962C8B-B14F-4D97-AF65-F5344CB8AC3E}">
-        <p14:creationId xmlns:p14="http://schemas.microsoft.com/office/powerpoint/2010/main" val="2349783774"/>
+        <p14:creationId xmlns:p14="http://schemas.microsoft.com/office/powerpoint/2010/main" val="1280135840"/>
       </p:ext>
     </p:extLst>
   </p:cSld>
@@ -4894,7 +4807,7 @@
           <p:cNvPr id="2" name="Title 1">
             <a:extLst>
               <a:ext uri="{FF2B5EF4-FFF2-40B4-BE49-F238E27FC236}">
-                <a16:creationId xmlns:a16="http://schemas.microsoft.com/office/drawing/2014/main" id="{B6C7E3E8-ACB1-451F-BCB8-4A909CAF2076}"/>
+                <a16:creationId xmlns:a16="http://schemas.microsoft.com/office/drawing/2014/main" id="{5E026FA3-4F7D-4538-A904-AE48D158BC06}"/>
               </a:ext>
             </a:extLst>
           </p:cNvPr>
@@ -4912,11 +4825,7 @@
           <a:p>
             <a:r>
               <a:rPr lang="en-US" dirty="0"/>
-              <a:t>Deployment Step – Kubernetes / </a:t>
-            </a:r>
-            <a:r>
-              <a:rPr lang="en-US" dirty="0" err="1"/>
-              <a:t>Minikube</a:t>
+              <a:t>Test Step - GitHub Action </a:t>
             </a:r>
             <a:endParaRPr lang="el-GR" dirty="0"/>
           </a:p>
@@ -4927,7 +4836,7 @@
           <p:cNvPr id="3" name="Content Placeholder 2">
             <a:extLst>
               <a:ext uri="{FF2B5EF4-FFF2-40B4-BE49-F238E27FC236}">
-                <a16:creationId xmlns:a16="http://schemas.microsoft.com/office/drawing/2014/main" id="{CA7B5307-3D63-4B2B-AACA-993FD674B394}"/>
+                <a16:creationId xmlns:a16="http://schemas.microsoft.com/office/drawing/2014/main" id="{48BCEE7F-3D2B-4E6E-BA1A-4DA87650267F}"/>
               </a:ext>
             </a:extLst>
           </p:cNvPr>
@@ -4940,43 +4849,52 @@
         </p:nvSpPr>
         <p:spPr>
           <a:xfrm>
-            <a:off x="658739" y="1690688"/>
-            <a:ext cx="5767699" cy="4022215"/>
-          </a:xfrm>
-        </p:spPr>
-        <p:txBody>
-          <a:bodyPr>
-            <a:normAutofit fontScale="92500" lnSpcReduction="10000"/>
-          </a:bodyPr>
-          <a:lstStyle/>
-          <a:p>
-            <a:r>
-              <a:rPr lang="en-US" b="1" dirty="0" err="1"/>
-              <a:t>Minikube</a:t>
-            </a:r>
+            <a:off x="838200" y="1825625"/>
+            <a:ext cx="5352875" cy="4351338"/>
+          </a:xfrm>
+        </p:spPr>
+        <p:txBody>
+          <a:bodyPr/>
+          <a:lstStyle/>
+          <a:p>
+            <a:pPr marL="0" indent="0">
+              <a:buNone/>
+            </a:pPr>
             <a:r>
               <a:rPr lang="en-US" dirty="0"/>
-              <a:t> is an application that creates a Virtual cluster inside of a Docker container.</a:t>
-            </a:r>
-          </a:p>
-          <a:p>
+              <a:t>The testing of our code is done with React Testing Library (alternative : </a:t>
+            </a:r>
+            <a:r>
+              <a:rPr lang="en-US" dirty="0">
+                <a:hlinkClick r:id="rId2"/>
+              </a:rPr>
+              <a:t>Jest</a:t>
+            </a:r>
             <a:r>
               <a:rPr lang="en-US" dirty="0"/>
-              <a:t>In this virtual cluster we deployed two Pods for our React app and two for </a:t>
-            </a:r>
-            <a:r>
-              <a:rPr lang="en-US" dirty="0" err="1"/>
-              <a:t>Keycloak</a:t>
-            </a:r>
+              <a:t>)</a:t>
+            </a:r>
+          </a:p>
+          <a:p>
             <a:r>
               <a:rPr lang="en-US" dirty="0"/>
-              <a:t> </a:t>
-            </a:r>
-          </a:p>
-          <a:p>
+              <a:t>We set a Unit Test in our code as an example (</a:t>
+            </a:r>
+            <a:r>
+              <a:rPr lang="en-US" dirty="0">
+                <a:hlinkClick r:id="rId3"/>
+              </a:rPr>
+              <a:t>code here</a:t>
+            </a:r>
             <a:r>
               <a:rPr lang="en-US" dirty="0"/>
-              <a:t>We also created a load balancer for our frontend application which automatically directs request to the least busy pod</a:t>
+              <a:t>)</a:t>
+            </a:r>
+          </a:p>
+          <a:p>
+            <a:r>
+              <a:rPr lang="en-US" dirty="0"/>
+              <a:t>Every push to main must pass this Test to be accepted </a:t>
             </a:r>
           </a:p>
         </p:txBody>
@@ -4986,7 +4904,7 @@
           <p:cNvPr id="4" name="Footer Placeholder 3">
             <a:extLst>
               <a:ext uri="{FF2B5EF4-FFF2-40B4-BE49-F238E27FC236}">
-                <a16:creationId xmlns:a16="http://schemas.microsoft.com/office/drawing/2014/main" id="{025588A3-66BE-47D3-8845-FDCD027522B9}"/>
+                <a16:creationId xmlns:a16="http://schemas.microsoft.com/office/drawing/2014/main" id="{4D1F6A39-AF01-4723-9227-EE039176AC49}"/>
               </a:ext>
             </a:extLst>
           </p:cNvPr>
@@ -5003,13 +4921,10 @@
           <a:lstStyle/>
           <a:p>
             <a:r>
-              <a:rPr lang="en-US" dirty="0" err="1"/>
-              <a:t>Unisystems</a:t>
-            </a:r>
-            <a:r>
-              <a:rPr lang="en-US" dirty="0"/>
-              <a:t> Copyright © 2019</a:t>
-            </a:r>
+              <a:rPr lang="en-US"/>
+              <a:t>Unisystems Copyright © 2019</a:t>
+            </a:r>
+            <a:endParaRPr lang="en-US" dirty="0"/>
           </a:p>
         </p:txBody>
       </p:sp>
@@ -5018,7 +4933,7 @@
           <p:cNvPr id="6" name="Picture 5">
             <a:extLst>
               <a:ext uri="{FF2B5EF4-FFF2-40B4-BE49-F238E27FC236}">
-                <a16:creationId xmlns:a16="http://schemas.microsoft.com/office/drawing/2014/main" id="{F2E48F08-08EF-4487-A3EA-CD1FA8081889}"/>
+                <a16:creationId xmlns:a16="http://schemas.microsoft.com/office/drawing/2014/main" id="{B3581DE4-5CD8-4B1E-B3CE-9CD317387E73}"/>
               </a:ext>
             </a:extLst>
           </p:cNvPr>
@@ -5028,15 +4943,15 @@
           <p:nvPr/>
         </p:nvPicPr>
         <p:blipFill>
-          <a:blip r:embed="rId2"/>
+          <a:blip r:embed="rId4"/>
           <a:stretch>
             <a:fillRect/>
           </a:stretch>
         </p:blipFill>
         <p:spPr>
           <a:xfrm>
-            <a:off x="6586668" y="1433359"/>
-            <a:ext cx="5513465" cy="1498187"/>
+            <a:off x="6350782" y="2352166"/>
+            <a:ext cx="5841218" cy="3342706"/>
           </a:xfrm>
           <a:prstGeom prst="rect">
             <a:avLst/>
@@ -5048,7 +4963,7 @@
           <p:cNvPr id="7" name="Picture 6">
             <a:extLst>
               <a:ext uri="{FF2B5EF4-FFF2-40B4-BE49-F238E27FC236}">
-                <a16:creationId xmlns:a16="http://schemas.microsoft.com/office/drawing/2014/main" id="{70D8872E-925D-46FC-B954-197B86FC2774}"/>
+                <a16:creationId xmlns:a16="http://schemas.microsoft.com/office/drawing/2014/main" id="{B7FB0AF5-27BB-4997-980B-3958BD9D4FD6}"/>
               </a:ext>
             </a:extLst>
           </p:cNvPr>
@@ -5058,15 +4973,15 @@
           <p:nvPr/>
         </p:nvPicPr>
         <p:blipFill>
-          <a:blip r:embed="rId3"/>
+          <a:blip r:embed="rId5"/>
           <a:stretch>
             <a:fillRect/>
           </a:stretch>
         </p:blipFill>
         <p:spPr>
-          <a:xfrm rot="10800000" flipH="1" flipV="1">
-            <a:off x="6586668" y="3521145"/>
-            <a:ext cx="5513465" cy="1835467"/>
+          <a:xfrm>
+            <a:off x="7231310" y="365125"/>
+            <a:ext cx="2888609" cy="1624843"/>
           </a:xfrm>
           <a:prstGeom prst="rect">
             <a:avLst/>
@@ -5076,7 +4991,7 @@
     </p:spTree>
     <p:extLst>
       <p:ext uri="{BB962C8B-B14F-4D97-AF65-F5344CB8AC3E}">
-        <p14:creationId xmlns:p14="http://schemas.microsoft.com/office/powerpoint/2010/main" val="4231363913"/>
+        <p14:creationId xmlns:p14="http://schemas.microsoft.com/office/powerpoint/2010/main" val="2179476587"/>
       </p:ext>
     </p:extLst>
   </p:cSld>
@@ -5108,7 +5023,7 @@
           <p:cNvPr id="2" name="Title 1">
             <a:extLst>
               <a:ext uri="{FF2B5EF4-FFF2-40B4-BE49-F238E27FC236}">
-                <a16:creationId xmlns:a16="http://schemas.microsoft.com/office/drawing/2014/main" id="{E0B931EE-D8AC-4938-B37D-9F84F03B577B}"/>
+                <a16:creationId xmlns:a16="http://schemas.microsoft.com/office/drawing/2014/main" id="{6CE7B8DE-CE9B-4845-9DB0-441791BE4F6A}"/>
               </a:ext>
             </a:extLst>
           </p:cNvPr>
@@ -5126,7 +5041,7 @@
           <a:p>
             <a:r>
               <a:rPr lang="en-US" dirty="0"/>
-              <a:t>Future Goals</a:t>
+              <a:t>Packaging Step – Shell script (VM 224) </a:t>
             </a:r>
             <a:endParaRPr lang="el-GR" dirty="0"/>
           </a:p>
@@ -5137,7 +5052,7 @@
           <p:cNvPr id="3" name="Content Placeholder 2">
             <a:extLst>
               <a:ext uri="{FF2B5EF4-FFF2-40B4-BE49-F238E27FC236}">
-                <a16:creationId xmlns:a16="http://schemas.microsoft.com/office/drawing/2014/main" id="{542AE9BC-F6B2-45E7-B4FC-5AF7B03881D7}"/>
+                <a16:creationId xmlns:a16="http://schemas.microsoft.com/office/drawing/2014/main" id="{421F6E67-96EB-4A8A-BC7E-686AF72868DC}"/>
               </a:ext>
             </a:extLst>
           </p:cNvPr>
@@ -5151,29 +5066,145 @@
         <p:spPr>
           <a:xfrm>
             <a:off x="838200" y="1825625"/>
-            <a:ext cx="5738769" cy="4351338"/>
-          </a:xfrm>
-        </p:spPr>
-        <p:txBody>
-          <a:bodyPr/>
-          <a:lstStyle/>
-          <a:p>
+            <a:ext cx="4966982" cy="4351338"/>
+          </a:xfrm>
+        </p:spPr>
+        <p:txBody>
+          <a:bodyPr>
+            <a:normAutofit fontScale="62500" lnSpcReduction="20000"/>
+          </a:bodyPr>
+          <a:lstStyle/>
+          <a:p>
+            <a:pPr marL="0" indent="0">
+              <a:buNone/>
+            </a:pPr>
             <a:r>
               <a:rPr lang="en-US" dirty="0"/>
-              <a:t>Create a Cluster with multiple Nodes (VMS) and deploy application there open to traffic (production environment </a:t>
-            </a:r>
-          </a:p>
-          <a:p>
+              <a:t>The packaging step is done on our server every time we want (alternative </a:t>
+            </a:r>
+            <a:r>
+              <a:rPr lang="en-US" dirty="0">
+                <a:hlinkClick r:id="rId2"/>
+              </a:rPr>
+              <a:t>AWS </a:t>
+            </a:r>
+            <a:r>
+              <a:rPr lang="en-US" dirty="0" err="1">
+                <a:hlinkClick r:id="rId2"/>
+              </a:rPr>
+              <a:t>CodeBuild</a:t>
+            </a:r>
             <a:r>
               <a:rPr lang="en-US" dirty="0"/>
-              <a:t>Improve Kubernetes knowledge and configuration </a:t>
-            </a:r>
-          </a:p>
-          <a:p>
+              <a:t>)</a:t>
+            </a:r>
+          </a:p>
+          <a:p>
+            <a:pPr marL="514350" indent="-514350">
+              <a:buFont typeface="+mj-lt"/>
+              <a:buAutoNum type="arabicPeriod"/>
+            </a:pPr>
             <a:r>
               <a:rPr lang="en-US" dirty="0"/>
-              <a:t>Create a fully automated CI/CD pipeline </a:t>
-            </a:r>
+              <a:t>First we set up the Docker Engine on our VM (</a:t>
+            </a:r>
+            <a:r>
+              <a:rPr lang="en-US" dirty="0">
+                <a:hlinkClick r:id="rId3"/>
+              </a:rPr>
+              <a:t>tutorial</a:t>
+            </a:r>
+            <a:r>
+              <a:rPr lang="en-US" dirty="0"/>
+              <a:t>)</a:t>
+            </a:r>
+          </a:p>
+          <a:p>
+            <a:pPr marL="514350" indent="-514350">
+              <a:buFont typeface="+mj-lt"/>
+              <a:buAutoNum type="arabicPeriod"/>
+            </a:pPr>
+            <a:r>
+              <a:rPr lang="en-US" dirty="0"/>
+              <a:t>Then we created a docker registry on our VM to store our Docker Images (</a:t>
+            </a:r>
+            <a:r>
+              <a:rPr lang="en-US" dirty="0">
+                <a:hlinkClick r:id="rId4"/>
+              </a:rPr>
+              <a:t>tutorial</a:t>
+            </a:r>
+            <a:r>
+              <a:rPr lang="en-US" dirty="0"/>
+              <a:t>)</a:t>
+            </a:r>
+          </a:p>
+          <a:p>
+            <a:pPr marL="514350" indent="-514350">
+              <a:buFont typeface="+mj-lt"/>
+              <a:buAutoNum type="arabicPeriod"/>
+            </a:pPr>
+            <a:r>
+              <a:rPr lang="en-US" dirty="0"/>
+              <a:t>We created </a:t>
+            </a:r>
+            <a:r>
+              <a:rPr lang="en-US" dirty="0">
+                <a:hlinkClick r:id="rId5"/>
+              </a:rPr>
+              <a:t>our </a:t>
+            </a:r>
+            <a:r>
+              <a:rPr lang="en-US" dirty="0" err="1">
+                <a:hlinkClick r:id="rId5"/>
+              </a:rPr>
+              <a:t>Dockerfile</a:t>
+            </a:r>
+            <a:r>
+              <a:rPr lang="en-US" dirty="0">
+                <a:hlinkClick r:id="rId5"/>
+              </a:rPr>
+              <a:t> </a:t>
+            </a:r>
+            <a:r>
+              <a:rPr lang="en-US" dirty="0"/>
+              <a:t>to specify the commands the Docker engine executes to create a Docker image from our code</a:t>
+            </a:r>
+          </a:p>
+          <a:p>
+            <a:pPr marL="514350" indent="-514350">
+              <a:buFont typeface="+mj-lt"/>
+              <a:buAutoNum type="arabicPeriod"/>
+            </a:pPr>
+            <a:r>
+              <a:rPr lang="en-US" dirty="0"/>
+              <a:t>Then we wrote the </a:t>
+            </a:r>
+            <a:r>
+              <a:rPr lang="en-US" dirty="0">
+                <a:hlinkClick r:id="rId6"/>
+              </a:rPr>
+              <a:t>script</a:t>
+            </a:r>
+            <a:r>
+              <a:rPr lang="en-US" dirty="0"/>
+              <a:t> that we run when we want to package a new version of our code </a:t>
+            </a:r>
+          </a:p>
+          <a:p>
+            <a:pPr marL="514350" indent="-514350">
+              <a:buFont typeface="+mj-lt"/>
+              <a:buAutoNum type="arabicPeriod"/>
+            </a:pPr>
+            <a:r>
+              <a:rPr lang="en-US" dirty="0"/>
+              <a:t>If we want to use the new version of our code we can find it in our registry </a:t>
+            </a:r>
+          </a:p>
+          <a:p>
+            <a:pPr marL="0" indent="0">
+              <a:buNone/>
+            </a:pPr>
             <a:endParaRPr lang="el-GR" dirty="0"/>
           </a:p>
         </p:txBody>
@@ -5183,7 +5214,7 @@
           <p:cNvPr id="4" name="Footer Placeholder 3">
             <a:extLst>
               <a:ext uri="{FF2B5EF4-FFF2-40B4-BE49-F238E27FC236}">
-                <a16:creationId xmlns:a16="http://schemas.microsoft.com/office/drawing/2014/main" id="{540D65A7-137B-4199-8850-6F53A5AB9444}"/>
+                <a16:creationId xmlns:a16="http://schemas.microsoft.com/office/drawing/2014/main" id="{38AB834D-8C76-4D07-A89E-B2EE51D69BAA}"/>
               </a:ext>
             </a:extLst>
           </p:cNvPr>
@@ -5209,10 +5240,10 @@
       </p:sp>
       <p:pic>
         <p:nvPicPr>
-          <p:cNvPr id="5" name="Picture 4">
-            <a:extLst>
-              <a:ext uri="{FF2B5EF4-FFF2-40B4-BE49-F238E27FC236}">
-                <a16:creationId xmlns:a16="http://schemas.microsoft.com/office/drawing/2014/main" id="{133F29A7-12CA-4157-AE7C-05D39F3D77F7}"/>
+          <p:cNvPr id="6" name="Picture 5">
+            <a:extLst>
+              <a:ext uri="{FF2B5EF4-FFF2-40B4-BE49-F238E27FC236}">
+                <a16:creationId xmlns:a16="http://schemas.microsoft.com/office/drawing/2014/main" id="{AB891364-D859-4558-8E84-2B83B2DAC8F8}"/>
               </a:ext>
             </a:extLst>
           </p:cNvPr>
@@ -5222,25 +5253,201 @@
           <p:nvPr/>
         </p:nvPicPr>
         <p:blipFill>
-          <a:blip r:embed="rId2"/>
+          <a:blip r:embed="rId7"/>
           <a:stretch>
             <a:fillRect/>
           </a:stretch>
         </p:blipFill>
         <p:spPr>
           <a:xfrm>
-            <a:off x="6425966" y="2190604"/>
-            <a:ext cx="5632683" cy="2631885"/>
+            <a:off x="6096000" y="1690688"/>
+            <a:ext cx="5178980" cy="549286"/>
           </a:xfrm>
           <a:prstGeom prst="rect">
             <a:avLst/>
           </a:prstGeom>
         </p:spPr>
       </p:pic>
+      <p:pic>
+        <p:nvPicPr>
+          <p:cNvPr id="8" name="Picture 7">
+            <a:extLst>
+              <a:ext uri="{FF2B5EF4-FFF2-40B4-BE49-F238E27FC236}">
+                <a16:creationId xmlns:a16="http://schemas.microsoft.com/office/drawing/2014/main" id="{6444DF9D-C278-47DC-9571-B6EFD0B58A7B}"/>
+              </a:ext>
+            </a:extLst>
+          </p:cNvPr>
+          <p:cNvPicPr>
+            <a:picLocks noChangeAspect="1"/>
+          </p:cNvPicPr>
+          <p:nvPr/>
+        </p:nvPicPr>
+        <p:blipFill>
+          <a:blip r:embed="rId8"/>
+          <a:stretch>
+            <a:fillRect/>
+          </a:stretch>
+        </p:blipFill>
+        <p:spPr>
+          <a:xfrm>
+            <a:off x="6096000" y="3010890"/>
+            <a:ext cx="5178980" cy="184964"/>
+          </a:xfrm>
+          <a:prstGeom prst="rect">
+            <a:avLst/>
+          </a:prstGeom>
+        </p:spPr>
+      </p:pic>
+      <p:pic>
+        <p:nvPicPr>
+          <p:cNvPr id="10" name="Picture 9">
+            <a:extLst>
+              <a:ext uri="{FF2B5EF4-FFF2-40B4-BE49-F238E27FC236}">
+                <a16:creationId xmlns:a16="http://schemas.microsoft.com/office/drawing/2014/main" id="{0AB92296-0940-4DD5-ADAF-E0C8ECAF2320}"/>
+              </a:ext>
+            </a:extLst>
+          </p:cNvPr>
+          <p:cNvPicPr>
+            <a:picLocks noChangeAspect="1"/>
+          </p:cNvPicPr>
+          <p:nvPr/>
+        </p:nvPicPr>
+        <p:blipFill>
+          <a:blip r:embed="rId9"/>
+          <a:stretch>
+            <a:fillRect/>
+          </a:stretch>
+        </p:blipFill>
+        <p:spPr>
+          <a:xfrm>
+            <a:off x="6095998" y="3966770"/>
+            <a:ext cx="5178979" cy="285082"/>
+          </a:xfrm>
+          <a:prstGeom prst="rect">
+            <a:avLst/>
+          </a:prstGeom>
+        </p:spPr>
+      </p:pic>
+      <p:sp>
+        <p:nvSpPr>
+          <p:cNvPr id="17" name="Arrow: Down 16">
+            <a:extLst>
+              <a:ext uri="{FF2B5EF4-FFF2-40B4-BE49-F238E27FC236}">
+                <a16:creationId xmlns:a16="http://schemas.microsoft.com/office/drawing/2014/main" id="{5DB1FEDD-082A-485B-8E95-0CDA49446806}"/>
+              </a:ext>
+            </a:extLst>
+          </p:cNvPr>
+          <p:cNvSpPr/>
+          <p:nvPr/>
+        </p:nvSpPr>
+        <p:spPr>
+          <a:xfrm>
+            <a:off x="8475159" y="2355432"/>
+            <a:ext cx="180000" cy="540000"/>
+          </a:xfrm>
+          <a:prstGeom prst="downArrow">
+            <a:avLst/>
+          </a:prstGeom>
+        </p:spPr>
+        <p:style>
+          <a:lnRef idx="2">
+            <a:schemeClr val="dk1">
+              <a:shade val="50000"/>
+            </a:schemeClr>
+          </a:lnRef>
+          <a:fillRef idx="1">
+            <a:schemeClr val="dk1"/>
+          </a:fillRef>
+          <a:effectRef idx="0">
+            <a:schemeClr val="dk1"/>
+          </a:effectRef>
+          <a:fontRef idx="minor">
+            <a:schemeClr val="lt1"/>
+          </a:fontRef>
+        </p:style>
+        <p:txBody>
+          <a:bodyPr rtlCol="0" anchor="ctr"/>
+          <a:lstStyle/>
+          <a:p>
+            <a:pPr algn="ctr"/>
+            <a:endParaRPr lang="el-GR">
+              <a:ln w="0"/>
+              <a:solidFill>
+                <a:schemeClr val="tx1"/>
+              </a:solidFill>
+              <a:effectLst>
+                <a:outerShdw blurRad="38100" dist="19050" dir="2700000" algn="tl" rotWithShape="0">
+                  <a:schemeClr val="dk1">
+                    <a:alpha val="40000"/>
+                  </a:schemeClr>
+                </a:outerShdw>
+              </a:effectLst>
+            </a:endParaRPr>
+          </a:p>
+        </p:txBody>
+      </p:sp>
+      <p:sp>
+        <p:nvSpPr>
+          <p:cNvPr id="18" name="Arrow: Down 17">
+            <a:extLst>
+              <a:ext uri="{FF2B5EF4-FFF2-40B4-BE49-F238E27FC236}">
+                <a16:creationId xmlns:a16="http://schemas.microsoft.com/office/drawing/2014/main" id="{4CD549DB-7DF5-4998-91C6-35186CDD918C}"/>
+              </a:ext>
+            </a:extLst>
+          </p:cNvPr>
+          <p:cNvSpPr/>
+          <p:nvPr/>
+        </p:nvSpPr>
+        <p:spPr>
+          <a:xfrm>
+            <a:off x="8475159" y="3311312"/>
+            <a:ext cx="180000" cy="540000"/>
+          </a:xfrm>
+          <a:prstGeom prst="downArrow">
+            <a:avLst/>
+          </a:prstGeom>
+        </p:spPr>
+        <p:style>
+          <a:lnRef idx="2">
+            <a:schemeClr val="dk1">
+              <a:shade val="50000"/>
+            </a:schemeClr>
+          </a:lnRef>
+          <a:fillRef idx="1">
+            <a:schemeClr val="dk1"/>
+          </a:fillRef>
+          <a:effectRef idx="0">
+            <a:schemeClr val="dk1"/>
+          </a:effectRef>
+          <a:fontRef idx="minor">
+            <a:schemeClr val="lt1"/>
+          </a:fontRef>
+        </p:style>
+        <p:txBody>
+          <a:bodyPr rtlCol="0" anchor="ctr"/>
+          <a:lstStyle/>
+          <a:p>
+            <a:pPr algn="ctr"/>
+            <a:endParaRPr lang="el-GR">
+              <a:ln w="0"/>
+              <a:solidFill>
+                <a:schemeClr val="tx1"/>
+              </a:solidFill>
+              <a:effectLst>
+                <a:outerShdw blurRad="38100" dist="19050" dir="2700000" algn="tl" rotWithShape="0">
+                  <a:schemeClr val="dk1">
+                    <a:alpha val="40000"/>
+                  </a:schemeClr>
+                </a:outerShdw>
+              </a:effectLst>
+            </a:endParaRPr>
+          </a:p>
+        </p:txBody>
+      </p:sp>
     </p:spTree>
     <p:extLst>
       <p:ext uri="{BB962C8B-B14F-4D97-AF65-F5344CB8AC3E}">
-        <p14:creationId xmlns:p14="http://schemas.microsoft.com/office/powerpoint/2010/main" val="3898751378"/>
+        <p14:creationId xmlns:p14="http://schemas.microsoft.com/office/powerpoint/2010/main" val="2349783774"/>
       </p:ext>
     </p:extLst>
   </p:cSld>
@@ -6839,7 +7046,7 @@
         <p:spPr>
           <a:xfrm>
             <a:off x="563880" y="1466298"/>
-            <a:ext cx="5806822" cy="3970318"/>
+            <a:ext cx="5177164" cy="4247317"/>
           </a:xfrm>
           <a:prstGeom prst="rect">
             <a:avLst/>
@@ -6860,7 +7067,19 @@
               <a:rPr lang="en-US" dirty="0">
                 <a:latin typeface="Century Gothic" panose="020B0502020202020204" pitchFamily="34" charset="0"/>
               </a:rPr>
-              <a:t>GitHub can be used to manage a whole organization with different teams and projects.</a:t>
+              <a:t>We chose </a:t>
+            </a:r>
+            <a:r>
+              <a:rPr lang="en-US" b="1" dirty="0">
+                <a:latin typeface="Century Gothic" panose="020B0502020202020204" pitchFamily="34" charset="0"/>
+              </a:rPr>
+              <a:t>GitHub Pro </a:t>
+            </a:r>
+            <a:r>
+              <a:rPr lang="en-US" dirty="0">
+                <a:latin typeface="Century Gothic" panose="020B0502020202020204" pitchFamily="34" charset="0"/>
+              </a:rPr>
+              <a:t>as our version control system as it has many automation features that can be used in a DevOps pipeline </a:t>
             </a:r>
           </a:p>
           <a:p>
@@ -6872,7 +7091,7 @@
               <a:rPr lang="en-US" dirty="0">
                 <a:latin typeface="Century Gothic" panose="020B0502020202020204" pitchFamily="34" charset="0"/>
               </a:rPr>
-              <a:t>Every member has a unique account and is part of the Organization</a:t>
+              <a:t>GitHub can be used to manage a whole organization organizing each member in different teams and projects.</a:t>
             </a:r>
           </a:p>
           <a:p>
@@ -6884,19 +7103,7 @@
               <a:rPr lang="en-US" dirty="0">
                 <a:latin typeface="Century Gothic" panose="020B0502020202020204" pitchFamily="34" charset="0"/>
               </a:rPr>
-              <a:t>The organization has multiple repositories one (or more) for each project</a:t>
-            </a:r>
-          </a:p>
-          <a:p>
-            <a:pPr marL="285750" indent="-285750">
-              <a:buFont typeface="Arial" panose="020B0604020202020204" pitchFamily="34" charset="0"/>
-              <a:buChar char="•"/>
-            </a:pPr>
-            <a:r>
-              <a:rPr lang="en-US" dirty="0">
-                <a:latin typeface="Century Gothic" panose="020B0502020202020204" pitchFamily="34" charset="0"/>
-              </a:rPr>
-              <a:t>With GitHub multiple members can work simultaneously without interfering with each other</a:t>
+              <a:t>GitHub also offers Task management tools (more on that later)</a:t>
             </a:r>
           </a:p>
           <a:p>
@@ -7104,7 +7311,7 @@
         </p:spPr>
         <p:txBody>
           <a:bodyPr>
-            <a:normAutofit lnSpcReduction="10000"/>
+            <a:normAutofit/>
           </a:bodyPr>
           <a:lstStyle/>
           <a:p>
@@ -7147,25 +7354,7 @@
             </a:r>
             <a:r>
               <a:rPr lang="en-US" sz="1800" dirty="0"/>
-              <a:t> is a service of AWS to host a docker application on the cloud without needing to manage the servers or perform scale-up (or down) procedures. Everything happens automatically by AWS in real time </a:t>
-            </a:r>
-          </a:p>
-          <a:p>
-            <a:pPr marL="0" indent="0">
-              <a:buNone/>
-            </a:pPr>
-            <a:r>
-              <a:rPr lang="en-US" sz="1800" dirty="0"/>
-              <a:t>Cost : 	$0.0445 per vCPU per hour </a:t>
-            </a:r>
-          </a:p>
-          <a:p>
-            <a:pPr marL="0" indent="0">
-              <a:buNone/>
-            </a:pPr>
-            <a:r>
-              <a:rPr lang="en-US" sz="1800" dirty="0"/>
-              <a:t>	$0.0049 per GB per hour </a:t>
+              <a:t> is a service of AWS to host a docker application on the cloud without needing to manage the servers or perform scale-up (or down) procedures. Everything happens automatically by AWS in real time. </a:t>
             </a:r>
           </a:p>
         </p:txBody>
@@ -7282,7 +7471,7 @@
           <a:p>
             <a:r>
               <a:rPr lang="en-US" dirty="0"/>
-              <a:t>Docker</a:t>
+              <a:t>Docker Engine – Docker Registry </a:t>
             </a:r>
             <a:endParaRPr lang="el-GR" dirty="0"/>
           </a:p>
@@ -7350,37 +7539,44 @@
                 <a:ea typeface="+mj-ea"/>
                 <a:cs typeface="+mj-cs"/>
               </a:rPr>
-              <a:t>Docker is a software platform that allows you to build, test, and deploy applications quickly. </a:t>
-            </a:r>
-          </a:p>
-          <a:p>
+              <a:t>We used </a:t>
+            </a:r>
+            <a:r>
+              <a:rPr lang="en-US" sz="2000" b="1" dirty="0">
+                <a:ea typeface="+mj-ea"/>
+                <a:cs typeface="+mj-cs"/>
+              </a:rPr>
+              <a:t>Docker Engine</a:t>
+            </a:r>
             <a:r>
               <a:rPr lang="en-US" sz="2000" dirty="0">
                 <a:ea typeface="+mj-ea"/>
                 <a:cs typeface="+mj-cs"/>
               </a:rPr>
-              <a:t>Docker packages software into standardized units called </a:t>
-            </a:r>
+              <a:t> to create Docker Images for the different parts of our application </a:t>
+            </a:r>
+          </a:p>
+          <a:p>
             <a:r>
               <a:rPr lang="en-US" sz="2000" dirty="0">
                 <a:ea typeface="+mj-ea"/>
                 <a:cs typeface="+mj-cs"/>
-                <a:hlinkClick r:id="rId2">
-                  <a:extLst>
-                    <a:ext uri="{A12FA001-AC4F-418D-AE19-62706E023703}">
-                      <ahyp:hlinkClr xmlns:ahyp="http://schemas.microsoft.com/office/drawing/2018/hyperlinkcolor" val="tx"/>
-                    </a:ext>
-                  </a:extLst>
-                </a:hlinkClick>
-              </a:rPr>
-              <a:t>containers</a:t>
+              </a:rPr>
+              <a:t>To store our images with version control we used the </a:t>
+            </a:r>
+            <a:r>
+              <a:rPr lang="en-US" sz="2000" b="1" dirty="0">
+                <a:ea typeface="+mj-ea"/>
+                <a:cs typeface="+mj-cs"/>
+              </a:rPr>
+              <a:t>Docker Registry</a:t>
             </a:r>
             <a:r>
               <a:rPr lang="en-US" sz="2000" dirty="0">
                 <a:ea typeface="+mj-ea"/>
                 <a:cs typeface="+mj-cs"/>
               </a:rPr>
-              <a:t> that have everything the software needs to run including libraries, system tools, code, and runtime. </a:t>
+              <a:t> image which runs on a Docker container and we can access our Docker images easily </a:t>
             </a:r>
           </a:p>
           <a:p>
@@ -7389,7 +7585,7 @@
                 <a:ea typeface="+mj-ea"/>
                 <a:cs typeface="+mj-cs"/>
               </a:rPr>
-              <a:t>The biggest advantage of using Docker is that you can quickly deploy and scale applications into any environment and know your code will run.</a:t>
+              <a:t>The biggest advantage of using Docker is that you can easily divide our applications in smaller components creating a microservices architecture.</a:t>
             </a:r>
             <a:endParaRPr lang="el-GR" sz="2000" dirty="0">
               <a:ea typeface="+mj-ea"/>
@@ -7413,7 +7609,7 @@
           <p:nvPr/>
         </p:nvPicPr>
         <p:blipFill>
-          <a:blip r:embed="rId3"/>
+          <a:blip r:embed="rId2"/>
           <a:stretch>
             <a:fillRect/>
           </a:stretch>
@@ -7511,15 +7707,9 @@
         </p:spPr>
         <p:txBody>
           <a:bodyPr>
-            <a:normAutofit fontScale="92500" lnSpcReduction="10000"/>
+            <a:normAutofit/>
           </a:bodyPr>
           <a:lstStyle/>
-          <a:p>
-            <a:r>
-              <a:rPr lang="en-US" dirty="0"/>
-              <a:t>Kubernetes is an open-source system for automating deployment, scaling, and management of containerized applications.</a:t>
-            </a:r>
-          </a:p>
           <a:p>
             <a:r>
               <a:rPr lang="en-US" b="0" i="0" dirty="0">
@@ -7540,8 +7730,13 @@
                 </a:solidFill>
                 <a:latin typeface="open sans" panose="020B0606030504020204" pitchFamily="34" charset="0"/>
               </a:rPr>
-              <a:t>A Kubernetes cluster can be on-premises, hosted on the cloud or a hybrid between the two</a:t>
-            </a:r>
+              <a:t>A Kubernetes cluster can be on-premises, hosted on the cloud or a hybrid between the two.</a:t>
+            </a:r>
+          </a:p>
+          <a:p>
+            <a:pPr marL="0" indent="0">
+              <a:buNone/>
+            </a:pPr>
             <a:endParaRPr lang="en-US" dirty="0"/>
           </a:p>
         </p:txBody>
@@ -7637,10 +7832,39 @@
       </p:grpSpPr>
       <p:sp>
         <p:nvSpPr>
+          <p:cNvPr id="2" name="Title 1">
+            <a:extLst>
+              <a:ext uri="{FF2B5EF4-FFF2-40B4-BE49-F238E27FC236}">
+                <a16:creationId xmlns:a16="http://schemas.microsoft.com/office/drawing/2014/main" id="{B6C7E3E8-ACB1-451F-BCB8-4A909CAF2076}"/>
+              </a:ext>
+            </a:extLst>
+          </p:cNvPr>
+          <p:cNvSpPr>
+            <a:spLocks noGrp="1"/>
+          </p:cNvSpPr>
+          <p:nvPr>
+            <p:ph type="title"/>
+          </p:nvPr>
+        </p:nvSpPr>
+        <p:spPr/>
+        <p:txBody>
+          <a:bodyPr/>
+          <a:lstStyle/>
+          <a:p>
+            <a:r>
+              <a:rPr lang="en-US" dirty="0" err="1"/>
+              <a:t>Minikube</a:t>
+            </a:r>
+            <a:endParaRPr lang="el-GR" dirty="0"/>
+          </a:p>
+        </p:txBody>
+      </p:sp>
+      <p:sp>
+        <p:nvSpPr>
           <p:cNvPr id="3" name="Content Placeholder 2">
             <a:extLst>
               <a:ext uri="{FF2B5EF4-FFF2-40B4-BE49-F238E27FC236}">
-                <a16:creationId xmlns:a16="http://schemas.microsoft.com/office/drawing/2014/main" id="{EADC667D-29C6-A74D-AA24-B0F83A4D95F6}"/>
+                <a16:creationId xmlns:a16="http://schemas.microsoft.com/office/drawing/2014/main" id="{CA7B5307-3D63-4B2B-AACA-993FD674B394}"/>
               </a:ext>
             </a:extLst>
           </p:cNvPr>
@@ -7653,30 +7877,38 @@
         </p:nvSpPr>
         <p:spPr>
           <a:xfrm>
-            <a:off x="563880" y="2599916"/>
-            <a:ext cx="11147475" cy="3126589"/>
-          </a:xfrm>
-        </p:spPr>
-        <p:txBody>
-          <a:bodyPr vert="horz" lIns="91440" tIns="45720" rIns="91440" bIns="45720" rtlCol="0" anchor="t">
+            <a:off x="658739" y="1690688"/>
+            <a:ext cx="5767699" cy="4022215"/>
+          </a:xfrm>
+        </p:spPr>
+        <p:txBody>
+          <a:bodyPr>
             <a:normAutofit/>
           </a:bodyPr>
           <a:lstStyle/>
           <a:p>
-            <a:pPr marL="457200" lvl="1" indent="0">
-              <a:buNone/>
-            </a:pPr>
-            <a:endParaRPr lang="en-US" sz="1800" dirty="0">
-              <a:cs typeface="Calibri"/>
-            </a:endParaRPr>
-          </a:p>
-          <a:p>
-            <a:pPr marL="0" indent="0">
-              <a:buNone/>
-            </a:pPr>
-            <a:endParaRPr lang="en-GR" sz="2000" dirty="0">
-              <a:cs typeface="Calibri" panose="020F0502020204030204" pitchFamily="34" charset="0"/>
-            </a:endParaRPr>
+            <a:r>
+              <a:rPr lang="en-US" b="1" dirty="0" err="1"/>
+              <a:t>Minikube</a:t>
+            </a:r>
+            <a:r>
+              <a:rPr lang="en-US" dirty="0"/>
+              <a:t> is an application that creates a Virtual cluster inside of a Docker container.</a:t>
+            </a:r>
+          </a:p>
+          <a:p>
+            <a:r>
+              <a:rPr lang="en-US" dirty="0"/>
+              <a:t>In this virtual cluster we can test our Kubernetes configuration and implement our deployments in a </a:t>
+            </a:r>
+            <a:r>
+              <a:rPr lang="en-US" b="1" dirty="0"/>
+              <a:t>Dev Environment</a:t>
+            </a:r>
+            <a:r>
+              <a:rPr lang="en-US" dirty="0"/>
+              <a:t> before we use them in our final release  </a:t>
+            </a:r>
           </a:p>
         </p:txBody>
       </p:sp>
@@ -7685,7 +7917,7 @@
           <p:cNvPr id="4" name="Footer Placeholder 3">
             <a:extLst>
               <a:ext uri="{FF2B5EF4-FFF2-40B4-BE49-F238E27FC236}">
-                <a16:creationId xmlns:a16="http://schemas.microsoft.com/office/drawing/2014/main" id="{16C1696C-3A61-834A-AD31-4AD407A9AC07}"/>
+                <a16:creationId xmlns:a16="http://schemas.microsoft.com/office/drawing/2014/main" id="{025588A3-66BE-47D3-8845-FDCD027522B9}"/>
               </a:ext>
             </a:extLst>
           </p:cNvPr>
@@ -7702,306 +7934,22 @@
           <a:lstStyle/>
           <a:p>
             <a:r>
-              <a:rPr lang="en-US" sz="1200" dirty="0" err="1">
-                <a:cs typeface="Calibri" panose="020F0502020204030204" pitchFamily="34" charset="0"/>
-              </a:rPr>
+              <a:rPr lang="en-US" dirty="0" err="1"/>
               <a:t>Unisystems</a:t>
             </a:r>
             <a:r>
-              <a:rPr lang="en-US" sz="1200" dirty="0">
-                <a:cs typeface="Calibri" panose="020F0502020204030204" pitchFamily="34" charset="0"/>
-              </a:rPr>
-              <a:t> Copyright © 2023</a:t>
-            </a:r>
-          </a:p>
-        </p:txBody>
-      </p:sp>
-      <p:sp>
-        <p:nvSpPr>
-          <p:cNvPr id="5" name="Title 1">
-            <a:extLst>
-              <a:ext uri="{FF2B5EF4-FFF2-40B4-BE49-F238E27FC236}">
-                <a16:creationId xmlns:a16="http://schemas.microsoft.com/office/drawing/2014/main" id="{FCD4E3EF-49C6-5D44-A6C1-C1C36A894D99}"/>
-              </a:ext>
-            </a:extLst>
-          </p:cNvPr>
-          <p:cNvSpPr txBox="1">
-            <a:spLocks/>
-          </p:cNvSpPr>
-          <p:nvPr/>
-        </p:nvSpPr>
-        <p:spPr>
-          <a:xfrm>
-            <a:off x="432500" y="171573"/>
-            <a:ext cx="11278855" cy="1015871"/>
-          </a:xfrm>
-          <a:prstGeom prst="rect">
-            <a:avLst/>
-          </a:prstGeom>
-        </p:spPr>
-        <p:txBody>
-          <a:bodyPr vert="horz" lIns="91440" tIns="45720" rIns="91440" bIns="45720" rtlCol="0" anchor="ctr">
-            <a:normAutofit/>
-          </a:bodyPr>
-          <a:lstStyle>
-            <a:lvl1pPr algn="l" defTabSz="914400" rtl="0" eaLnBrk="1" latinLnBrk="0" hangingPunct="1">
-              <a:lnSpc>
-                <a:spcPct val="90000"/>
-              </a:lnSpc>
-              <a:spcBef>
-                <a:spcPct val="0"/>
-              </a:spcBef>
-              <a:buNone/>
-              <a:defRPr sz="3600" kern="1200">
-                <a:solidFill>
-                  <a:schemeClr val="tx1"/>
-                </a:solidFill>
-                <a:latin typeface="Century Gothic" panose="020B0502020202020204" pitchFamily="34" charset="0"/>
-                <a:ea typeface="+mj-ea"/>
-                <a:cs typeface="+mj-cs"/>
-              </a:defRPr>
-            </a:lvl1pPr>
-          </a:lstStyle>
-          <a:p>
-            <a:pPr fontAlgn="auto">
-              <a:spcAft>
-                <a:spcPts val="0"/>
-              </a:spcAft>
-            </a:pPr>
-            <a:r>
-              <a:rPr lang="en-US" sz="3600" dirty="0">
-                <a:solidFill>
-                  <a:srgbClr val="292929"/>
-                </a:solidFill>
-                <a:effectLst/>
-                <a:ea typeface="Times New Roman" panose="02020603050405020304" pitchFamily="18" charset="0"/>
-              </a:rPr>
-              <a:t>GitHub Sample Case - Admin</a:t>
-            </a:r>
-          </a:p>
-        </p:txBody>
-      </p:sp>
-      <p:sp>
-        <p:nvSpPr>
-          <p:cNvPr id="2" name="TextBox 1">
-            <a:extLst>
-              <a:ext uri="{FF2B5EF4-FFF2-40B4-BE49-F238E27FC236}">
-                <a16:creationId xmlns:a16="http://schemas.microsoft.com/office/drawing/2014/main" id="{1C92E664-7CBB-4B70-8F3A-06916777EC3A}"/>
-              </a:ext>
-            </a:extLst>
-          </p:cNvPr>
-          <p:cNvSpPr txBox="1"/>
-          <p:nvPr/>
-        </p:nvSpPr>
-        <p:spPr>
-          <a:xfrm>
-            <a:off x="563880" y="988126"/>
-            <a:ext cx="5806822" cy="5078313"/>
-          </a:xfrm>
-          <a:prstGeom prst="rect">
-            <a:avLst/>
-          </a:prstGeom>
-          <a:noFill/>
-        </p:spPr>
-        <p:txBody>
-          <a:bodyPr wrap="square" rtlCol="0">
-            <a:spAutoFit/>
-          </a:bodyPr>
-          <a:lstStyle/>
-          <a:p>
-            <a:pPr marL="342900" indent="-342900">
-              <a:buAutoNum type="arabicPeriod"/>
-            </a:pPr>
-            <a:r>
-              <a:rPr lang="en-US" dirty="0">
-                <a:latin typeface="Century Gothic" panose="020B0502020202020204" pitchFamily="34" charset="0"/>
-              </a:rPr>
-              <a:t>Create GitHub Account (</a:t>
-            </a:r>
-            <a:r>
-              <a:rPr lang="en-US" dirty="0">
-                <a:latin typeface="Century Gothic" panose="020B0502020202020204" pitchFamily="34" charset="0"/>
-                <a:hlinkClick r:id="rId2"/>
-              </a:rPr>
-              <a:t>here</a:t>
-            </a:r>
-            <a:r>
-              <a:rPr lang="en-US" dirty="0">
-                <a:latin typeface="Century Gothic" panose="020B0502020202020204" pitchFamily="34" charset="0"/>
-              </a:rPr>
-              <a:t>)(Pro Vs Enterprise (limitation of Pro)</a:t>
-            </a:r>
-          </a:p>
-          <a:p>
-            <a:pPr marL="342900" indent="-342900">
-              <a:buAutoNum type="arabicPeriod"/>
-            </a:pPr>
-            <a:r>
-              <a:rPr lang="en-US" dirty="0">
-                <a:latin typeface="Century Gothic" panose="020B0502020202020204" pitchFamily="34" charset="0"/>
-              </a:rPr>
-              <a:t>Create organization Uni-Systems-SMSA Organization (one time) </a:t>
-            </a:r>
-          </a:p>
-          <a:p>
-            <a:pPr marL="342900" indent="-342900">
-              <a:buAutoNum type="arabicPeriod"/>
-            </a:pPr>
-            <a:r>
-              <a:rPr lang="en-US" dirty="0">
-                <a:latin typeface="Century Gothic" panose="020B0502020202020204" pitchFamily="34" charset="0"/>
-              </a:rPr>
-              <a:t>Create team (</a:t>
-            </a:r>
-            <a:r>
-              <a:rPr lang="en-US" dirty="0">
-                <a:hlinkClick r:id="rId3"/>
-              </a:rPr>
-              <a:t>Teams · Uni-Systems-SMSA</a:t>
-            </a:r>
-            <a:r>
               <a:rPr lang="en-US" dirty="0"/>
-              <a:t>)</a:t>
-            </a:r>
-            <a:endParaRPr lang="en-US" dirty="0">
-              <a:latin typeface="Century Gothic" panose="020B0502020202020204" pitchFamily="34" charset="0"/>
-            </a:endParaRPr>
-          </a:p>
-          <a:p>
-            <a:pPr marL="342900" indent="-342900">
-              <a:buAutoNum type="arabicPeriod"/>
-            </a:pPr>
-            <a:r>
-              <a:rPr lang="en-US" dirty="0">
-                <a:latin typeface="Century Gothic" panose="020B0502020202020204" pitchFamily="34" charset="0"/>
-              </a:rPr>
-              <a:t>Invite members </a:t>
-            </a:r>
-            <a:r>
-              <a:rPr lang="en-US" dirty="0" err="1">
-                <a:hlinkClick r:id="rId4"/>
-              </a:rPr>
-              <a:t>Intership</a:t>
-            </a:r>
-            <a:r>
-              <a:rPr lang="en-US" dirty="0">
-                <a:hlinkClick r:id="rId4"/>
-              </a:rPr>
-              <a:t> · Uni-Systems-SMSA Team</a:t>
-            </a:r>
-            <a:r>
-              <a:rPr lang="en-US" dirty="0"/>
-              <a:t> (Add a member)</a:t>
-            </a:r>
-            <a:endParaRPr lang="en-US" dirty="0">
-              <a:latin typeface="Century Gothic" panose="020B0502020202020204" pitchFamily="34" charset="0"/>
-            </a:endParaRPr>
-          </a:p>
-          <a:p>
-            <a:pPr marL="342900" indent="-342900">
-              <a:buAutoNum type="arabicPeriod"/>
-            </a:pPr>
-            <a:r>
-              <a:rPr lang="en-US" dirty="0">
-                <a:latin typeface="Century Gothic" panose="020B0502020202020204" pitchFamily="34" charset="0"/>
-              </a:rPr>
-              <a:t>Create a GitHub repository and assign a team to have write permissions </a:t>
-            </a:r>
-            <a:r>
-              <a:rPr lang="en-US" dirty="0">
-                <a:hlinkClick r:id="rId5"/>
-              </a:rPr>
-              <a:t>Uni-Systems-SMSA</a:t>
-            </a:r>
-            <a:r>
-              <a:rPr lang="en-US" dirty="0"/>
-              <a:t> (New repository)</a:t>
-            </a:r>
-          </a:p>
-          <a:p>
-            <a:pPr marL="342900" indent="-342900">
-              <a:buAutoNum type="arabicPeriod"/>
-            </a:pPr>
-            <a:r>
-              <a:rPr lang="en-US" dirty="0">
-                <a:latin typeface="Century Gothic" panose="020B0502020202020204" pitchFamily="34" charset="0"/>
-              </a:rPr>
-              <a:t>Add Team (Internship) or single member (</a:t>
-            </a:r>
-            <a:r>
-              <a:rPr lang="en-US" dirty="0">
-                <a:hlinkClick r:id="rId6"/>
-              </a:rPr>
-              <a:t>Manage access</a:t>
-            </a:r>
-            <a:r>
-              <a:rPr lang="en-US" dirty="0"/>
-              <a:t>) and </a:t>
-            </a:r>
-            <a:r>
-              <a:rPr lang="en-US" dirty="0">
-                <a:latin typeface="Century Gothic" panose="020B0502020202020204" pitchFamily="34" charset="0"/>
-              </a:rPr>
-              <a:t>Define roles/permission on the repository (project approach)</a:t>
-            </a:r>
-          </a:p>
-          <a:p>
-            <a:pPr marL="342900" indent="-342900">
-              <a:buAutoNum type="arabicPeriod"/>
-            </a:pPr>
-            <a:r>
-              <a:rPr lang="en-US" dirty="0">
-                <a:latin typeface="Century Gothic" panose="020B0502020202020204" pitchFamily="34" charset="0"/>
-              </a:rPr>
-              <a:t>Define development branches (front-end &amp; back-end) </a:t>
-            </a:r>
-          </a:p>
-          <a:p>
-            <a:pPr marL="342900" indent="-342900">
-              <a:buAutoNum type="arabicPeriod"/>
-            </a:pPr>
-            <a:r>
-              <a:rPr lang="en-US" dirty="0">
-                <a:latin typeface="Century Gothic" panose="020B0502020202020204" pitchFamily="34" charset="0"/>
-              </a:rPr>
-              <a:t>Define Branch protection rules (image) </a:t>
-            </a:r>
-          </a:p>
-          <a:p>
-            <a:pPr marL="342900" indent="-342900">
-              <a:buAutoNum type="arabicPeriod"/>
-            </a:pPr>
-            <a:r>
-              <a:rPr lang="en-US" dirty="0">
-                <a:latin typeface="Century Gothic" panose="020B0502020202020204" pitchFamily="34" charset="0"/>
-              </a:rPr>
-              <a:t>Create GitHub actions to automate build and test steps of the pipeline (examples </a:t>
-            </a:r>
-            <a:r>
-              <a:rPr lang="en-US" dirty="0">
-                <a:latin typeface="Century Gothic" panose="020B0502020202020204" pitchFamily="34" charset="0"/>
-                <a:hlinkClick r:id="rId7"/>
-              </a:rPr>
-              <a:t>here</a:t>
-            </a:r>
-            <a:r>
-              <a:rPr lang="en-US" dirty="0">
-                <a:latin typeface="Century Gothic" panose="020B0502020202020204" pitchFamily="34" charset="0"/>
-              </a:rPr>
-              <a:t>)</a:t>
-            </a:r>
-            <a:endParaRPr lang="el-GR" dirty="0">
-              <a:latin typeface="Century Gothic" panose="020B0502020202020204" pitchFamily="34" charset="0"/>
-            </a:endParaRPr>
+              <a:t> Copyright © 2019</a:t>
+            </a:r>
           </a:p>
         </p:txBody>
       </p:sp>
       <p:pic>
         <p:nvPicPr>
-          <p:cNvPr id="8" name="Picture 7">
-            <a:extLst>
-              <a:ext uri="{FF2B5EF4-FFF2-40B4-BE49-F238E27FC236}">
-                <a16:creationId xmlns:a16="http://schemas.microsoft.com/office/drawing/2014/main" id="{129266B3-99F8-4488-BBD8-74D71F7F5F0B}"/>
+          <p:cNvPr id="6" name="Picture 5">
+            <a:extLst>
+              <a:ext uri="{FF2B5EF4-FFF2-40B4-BE49-F238E27FC236}">
+                <a16:creationId xmlns:a16="http://schemas.microsoft.com/office/drawing/2014/main" id="{F2E48F08-08EF-4487-A3EA-CD1FA8081889}"/>
               </a:ext>
             </a:extLst>
           </p:cNvPr>
@@ -8011,15 +7959,15 @@
           <p:nvPr/>
         </p:nvPicPr>
         <p:blipFill>
-          <a:blip r:embed="rId8"/>
+          <a:blip r:embed="rId2"/>
           <a:stretch>
             <a:fillRect/>
           </a:stretch>
         </p:blipFill>
         <p:spPr>
           <a:xfrm>
-            <a:off x="6441858" y="1415397"/>
-            <a:ext cx="5573973" cy="2915592"/>
+            <a:off x="6519556" y="2525331"/>
+            <a:ext cx="5513465" cy="1498187"/>
           </a:xfrm>
           <a:prstGeom prst="rect">
             <a:avLst/>
@@ -8029,7 +7977,7 @@
     </p:spTree>
     <p:extLst>
       <p:ext uri="{BB962C8B-B14F-4D97-AF65-F5344CB8AC3E}">
-        <p14:creationId xmlns:p14="http://schemas.microsoft.com/office/powerpoint/2010/main" val="1664919358"/>
+        <p14:creationId xmlns:p14="http://schemas.microsoft.com/office/powerpoint/2010/main" val="4231363913"/>
       </p:ext>
     </p:extLst>
   </p:cSld>
